--- a/English_project.pptx
+++ b/English_project.pptx
@@ -21,9 +21,9 @@
     <p:sldId id="272" r:id="rId9"/>
     <p:sldId id="262" r:id="rId10"/>
     <p:sldId id="263" r:id="rId11"/>
-    <p:sldId id="273" r:id="rId12"/>
-    <p:sldId id="264" r:id="rId13"/>
-    <p:sldId id="265" r:id="rId14"/>
+    <p:sldId id="264" r:id="rId12"/>
+    <p:sldId id="265" r:id="rId13"/>
+    <p:sldId id="273" r:id="rId14"/>
     <p:sldId id="266" r:id="rId15"/>
     <p:sldId id="267" r:id="rId16"/>
     <p:sldId id="268" r:id="rId17"/>
@@ -3391,6 +3391,13 @@
     <dgm:pt modelId="{41D85925-7A8D-40E6-A81F-545A9C67D294}">
       <dgm:prSet phldrT="[Texte]"/>
       <dgm:spPr/>
+      <dgm:t>
+        <a:bodyPr/>
+        <a:lstStyle/>
+        <a:p>
+          <a:endParaRPr lang="fr-FR"/>
+        </a:p>
+      </dgm:t>
     </dgm:pt>
     <dgm:pt modelId="{070414D8-A382-435F-BFE6-9B9485B70EA7}" type="parTrans" cxnId="{F314A80E-14EB-41A7-A15C-F285A91BB5F1}">
       <dgm:prSet/>
@@ -3510,6 +3517,13 @@
         </dgm:presLayoutVars>
       </dgm:prSet>
       <dgm:spPr/>
+      <dgm:t>
+        <a:bodyPr/>
+        <a:lstStyle/>
+        <a:p>
+          <a:endParaRPr lang="fr-FR"/>
+        </a:p>
+      </dgm:t>
     </dgm:pt>
     <dgm:pt modelId="{3CC7099C-0410-4B5F-BEE8-C1AE3A0F146E}" type="pres">
       <dgm:prSet presAssocID="{F574D1FE-B4EB-4004-A2BF-172B4C5E8020}" presName="ellipse" presStyleLbl="trBgShp" presStyleIdx="0" presStyleCnt="1" custLinFactNeighborX="-941" custLinFactNeighborY="-4514"/>
@@ -3552,6 +3566,13 @@
         </dgm:presLayoutVars>
       </dgm:prSet>
       <dgm:spPr/>
+      <dgm:t>
+        <a:bodyPr/>
+        <a:lstStyle/>
+        <a:p>
+          <a:endParaRPr lang="fr-FR"/>
+        </a:p>
+      </dgm:t>
     </dgm:pt>
     <dgm:pt modelId="{38E4C21B-5263-4F26-A6F6-39BFFF9AF48D}" type="pres">
       <dgm:prSet presAssocID="{AFDF8267-6296-4326-BD5C-3C835F2D97F4}" presName="item2" presStyleLbl="node1" presStyleIdx="1" presStyleCnt="3">
@@ -3560,6 +3581,13 @@
         </dgm:presLayoutVars>
       </dgm:prSet>
       <dgm:spPr/>
+      <dgm:t>
+        <a:bodyPr/>
+        <a:lstStyle/>
+        <a:p>
+          <a:endParaRPr lang="fr-FR"/>
+        </a:p>
+      </dgm:t>
     </dgm:pt>
     <dgm:pt modelId="{C809BA48-92E3-4CAE-A0A7-34A50851C35C}" type="pres">
       <dgm:prSet presAssocID="{9E5C7F2F-638E-40A0-AEB9-B121991DAF60}" presName="item3" presStyleLbl="node1" presStyleIdx="2" presStyleCnt="3">
@@ -3597,17 +3625,17 @@
     </dgm:pt>
   </dgm:ptLst>
   <dgm:cxnLst>
-    <dgm:cxn modelId="{E2275A6E-E27A-42DB-8385-31B9ADC373BE}" srcId="{F574D1FE-B4EB-4004-A2BF-172B4C5E8020}" destId="{AFDF8267-6296-4326-BD5C-3C835F2D97F4}" srcOrd="2" destOrd="0" parTransId="{0E8DEF2A-B29C-4057-A636-081CD2CFA445}" sibTransId="{0218A8F1-5F95-4405-8CA5-F2D353985597}"/>
-    <dgm:cxn modelId="{7D23C363-7F3F-4FF7-84F2-5D1A390B742C}" srcId="{F574D1FE-B4EB-4004-A2BF-172B4C5E8020}" destId="{3DC41488-C999-44A6-88B5-2422C86D8C4A}" srcOrd="1" destOrd="0" parTransId="{63BA5BB1-0FD6-469D-9682-6937D493FCFE}" sibTransId="{C2BE65C8-A27C-40A4-96BF-159D3F1011D9}"/>
-    <dgm:cxn modelId="{8DDFADBA-7A54-4D8D-BCC3-64B9DF84295E}" srcId="{F574D1FE-B4EB-4004-A2BF-172B4C5E8020}" destId="{2D18F67E-68E0-47FF-904B-E0A999B48821}" srcOrd="4" destOrd="0" parTransId="{045BD83A-32C7-49E1-B373-6F942E72E80E}" sibTransId="{978A82BD-B929-4D9B-AB50-1275427F7785}"/>
-    <dgm:cxn modelId="{33CB83BB-B157-4658-9536-77630DEFDEED}" type="presOf" srcId="{4F167E1F-A8F6-46FA-A33C-DF783FB192FF}" destId="{C809BA48-92E3-4CAE-A0A7-34A50851C35C}" srcOrd="0" destOrd="0" presId="urn:microsoft.com/office/officeart/2005/8/layout/funnel1"/>
-    <dgm:cxn modelId="{F72DF3BF-3E7A-4D39-9C2D-691E15FB62B3}" srcId="{F574D1FE-B4EB-4004-A2BF-172B4C5E8020}" destId="{9E5C7F2F-638E-40A0-AEB9-B121991DAF60}" srcOrd="3" destOrd="0" parTransId="{34A9C474-A812-4E74-A9DD-2A81F81C7B45}" sibTransId="{547183CF-5870-45D0-AEC3-F4991634DF71}"/>
     <dgm:cxn modelId="{F314A80E-14EB-41A7-A15C-F285A91BB5F1}" srcId="{F574D1FE-B4EB-4004-A2BF-172B4C5E8020}" destId="{41D85925-7A8D-40E6-A81F-545A9C67D294}" srcOrd="5" destOrd="0" parTransId="{070414D8-A382-435F-BFE6-9B9485B70EA7}" sibTransId="{183DDAB7-B168-4668-95A7-DA4ABB985076}"/>
     <dgm:cxn modelId="{EAE0A2E9-FD8A-4FF6-B57C-BA4688947B4D}" type="presOf" srcId="{3DC41488-C999-44A6-88B5-2422C86D8C4A}" destId="{38E4C21B-5263-4F26-A6F6-39BFFF9AF48D}" srcOrd="0" destOrd="0" presId="urn:microsoft.com/office/officeart/2005/8/layout/funnel1"/>
+    <dgm:cxn modelId="{7D23C363-7F3F-4FF7-84F2-5D1A390B742C}" srcId="{F574D1FE-B4EB-4004-A2BF-172B4C5E8020}" destId="{3DC41488-C999-44A6-88B5-2422C86D8C4A}" srcOrd="1" destOrd="0" parTransId="{63BA5BB1-0FD6-469D-9682-6937D493FCFE}" sibTransId="{C2BE65C8-A27C-40A4-96BF-159D3F1011D9}"/>
+    <dgm:cxn modelId="{87160111-6AAD-46AB-9DEA-B441C321D69D}" srcId="{F574D1FE-B4EB-4004-A2BF-172B4C5E8020}" destId="{4F167E1F-A8F6-46FA-A33C-DF783FB192FF}" srcOrd="0" destOrd="0" parTransId="{32ECDBF6-59E3-43DD-805D-10E735D13B83}" sibTransId="{8BF58764-34E4-467A-BE40-D420EDCDAC3D}"/>
     <dgm:cxn modelId="{C2CBE9E9-C2D7-4456-8F3D-D2FD293EC74C}" type="presOf" srcId="{AFDF8267-6296-4326-BD5C-3C835F2D97F4}" destId="{4B9B1AA9-2EBA-482E-9CBD-FEEFAC07B396}" srcOrd="0" destOrd="0" presId="urn:microsoft.com/office/officeart/2005/8/layout/funnel1"/>
+    <dgm:cxn modelId="{F72DF3BF-3E7A-4D39-9C2D-691E15FB62B3}" srcId="{F574D1FE-B4EB-4004-A2BF-172B4C5E8020}" destId="{9E5C7F2F-638E-40A0-AEB9-B121991DAF60}" srcOrd="3" destOrd="0" parTransId="{34A9C474-A812-4E74-A9DD-2A81F81C7B45}" sibTransId="{547183CF-5870-45D0-AEC3-F4991634DF71}"/>
+    <dgm:cxn modelId="{33CB83BB-B157-4658-9536-77630DEFDEED}" type="presOf" srcId="{4F167E1F-A8F6-46FA-A33C-DF783FB192FF}" destId="{C809BA48-92E3-4CAE-A0A7-34A50851C35C}" srcOrd="0" destOrd="0" presId="urn:microsoft.com/office/officeart/2005/8/layout/funnel1"/>
+    <dgm:cxn modelId="{8DDFADBA-7A54-4D8D-BCC3-64B9DF84295E}" srcId="{F574D1FE-B4EB-4004-A2BF-172B4C5E8020}" destId="{2D18F67E-68E0-47FF-904B-E0A999B48821}" srcOrd="4" destOrd="0" parTransId="{045BD83A-32C7-49E1-B373-6F942E72E80E}" sibTransId="{978A82BD-B929-4D9B-AB50-1275427F7785}"/>
     <dgm:cxn modelId="{D9EB1E49-5515-412B-BFD8-FB09A7C5CA57}" type="presOf" srcId="{F574D1FE-B4EB-4004-A2BF-172B4C5E8020}" destId="{9AD5B67D-85F5-4752-B4F8-A8FD8CDAD9F0}" srcOrd="0" destOrd="0" presId="urn:microsoft.com/office/officeart/2005/8/layout/funnel1"/>
     <dgm:cxn modelId="{11720B2B-381D-480A-AA89-C517C6DAF5BF}" type="presOf" srcId="{9E5C7F2F-638E-40A0-AEB9-B121991DAF60}" destId="{94136D46-97EF-427E-B192-70D78CD7151F}" srcOrd="0" destOrd="0" presId="urn:microsoft.com/office/officeart/2005/8/layout/funnel1"/>
-    <dgm:cxn modelId="{87160111-6AAD-46AB-9DEA-B441C321D69D}" srcId="{F574D1FE-B4EB-4004-A2BF-172B4C5E8020}" destId="{4F167E1F-A8F6-46FA-A33C-DF783FB192FF}" srcOrd="0" destOrd="0" parTransId="{32ECDBF6-59E3-43DD-805D-10E735D13B83}" sibTransId="{8BF58764-34E4-467A-BE40-D420EDCDAC3D}"/>
+    <dgm:cxn modelId="{E2275A6E-E27A-42DB-8385-31B9ADC373BE}" srcId="{F574D1FE-B4EB-4004-A2BF-172B4C5E8020}" destId="{AFDF8267-6296-4326-BD5C-3C835F2D97F4}" srcOrd="2" destOrd="0" parTransId="{0E8DEF2A-B29C-4057-A636-081CD2CFA445}" sibTransId="{0218A8F1-5F95-4405-8CA5-F2D353985597}"/>
     <dgm:cxn modelId="{5A556C26-DD5E-4949-AA74-B27E3FC52A62}" type="presParOf" srcId="{9AD5B67D-85F5-4752-B4F8-A8FD8CDAD9F0}" destId="{3CC7099C-0410-4B5F-BEE8-C1AE3A0F146E}" srcOrd="0" destOrd="0" presId="urn:microsoft.com/office/officeart/2005/8/layout/funnel1"/>
     <dgm:cxn modelId="{669E3E41-DD9F-4F69-B777-3F6A5AACBD37}" type="presParOf" srcId="{9AD5B67D-85F5-4752-B4F8-A8FD8CDAD9F0}" destId="{C4DF9907-B08B-49DA-BD18-003D7231EF71}" srcOrd="1" destOrd="0" presId="urn:microsoft.com/office/officeart/2005/8/layout/funnel1"/>
     <dgm:cxn modelId="{F3C44E23-43AC-478E-9089-03D4ABFA7F12}" type="presParOf" srcId="{9AD5B67D-85F5-4752-B4F8-A8FD8CDAD9F0}" destId="{94136D46-97EF-427E-B192-70D78CD7151F}" srcOrd="2" destOrd="0" presId="urn:microsoft.com/office/officeart/2005/8/layout/funnel1"/>
@@ -4065,6 +4093,13 @@
         </dgm:presLayoutVars>
       </dgm:prSet>
       <dgm:spPr/>
+      <dgm:t>
+        <a:bodyPr/>
+        <a:lstStyle/>
+        <a:p>
+          <a:endParaRPr lang="fr-FR"/>
+        </a:p>
+      </dgm:t>
     </dgm:pt>
     <dgm:pt modelId="{ECF53466-C6CE-4CCC-A106-C457A057EF2C}" type="pres">
       <dgm:prSet presAssocID="{83004E36-DED6-4FF1-8749-2871D72F3E29}" presName="composite" presStyleCnt="0"/>
@@ -4087,6 +4122,13 @@
         </dgm:presLayoutVars>
       </dgm:prSet>
       <dgm:spPr/>
+      <dgm:t>
+        <a:bodyPr/>
+        <a:lstStyle/>
+        <a:p>
+          <a:endParaRPr lang="fr-FR"/>
+        </a:p>
+      </dgm:t>
     </dgm:pt>
     <dgm:pt modelId="{E1AA0B5A-6A01-4EDE-9900-6B4CC93F19C8}" type="pres">
       <dgm:prSet presAssocID="{83004E36-DED6-4FF1-8749-2871D72F3E29}" presName="ChildText" presStyleLbl="revTx" presStyleIdx="0" presStyleCnt="3">
@@ -4212,8 +4254,8 @@
     <dgm:cxn modelId="{9B044058-CDE7-43DF-95E6-41EFCE64BEC3}" type="presOf" srcId="{14E48E01-A81A-4AA3-9296-94E07E769EA3}" destId="{7898A64E-DBE3-49BE-B7E0-134F02E6EA35}" srcOrd="0" destOrd="2" presId="urn:microsoft.com/office/officeart/2005/8/layout/StepDownProcess"/>
     <dgm:cxn modelId="{BED35713-5E1B-4DDF-82F2-7528174D51FD}" type="presOf" srcId="{22894DE8-AA6B-4EAB-895B-44AF297779B4}" destId="{7898A64E-DBE3-49BE-B7E0-134F02E6EA35}" srcOrd="0" destOrd="1" presId="urn:microsoft.com/office/officeart/2005/8/layout/StepDownProcess"/>
     <dgm:cxn modelId="{197B6AD0-5FE6-4219-B6F2-E66FD731DCB9}" type="presOf" srcId="{DC5B6411-585E-4D67-8575-76D923F1AC05}" destId="{E1AA0B5A-6A01-4EDE-9900-6B4CC93F19C8}" srcOrd="0" destOrd="0" presId="urn:microsoft.com/office/officeart/2005/8/layout/StepDownProcess"/>
+    <dgm:cxn modelId="{FB3DD0BF-FA17-467D-B9B9-CB7BE907AFB4}" type="presOf" srcId="{5BBD5FDE-1D2C-42DA-83F5-6B202A79DEB6}" destId="{0D1B9487-4C22-4016-939D-043B0291F584}" srcOrd="0" destOrd="0" presId="urn:microsoft.com/office/officeart/2005/8/layout/StepDownProcess"/>
     <dgm:cxn modelId="{9A8B07A3-EBB5-4482-B9CD-0F76C1757C50}" srcId="{83004E36-DED6-4FF1-8749-2871D72F3E29}" destId="{DC5B6411-585E-4D67-8575-76D923F1AC05}" srcOrd="0" destOrd="0" parTransId="{3EF016FF-0513-43E6-97E5-34934AF828EA}" sibTransId="{270FC169-FF4E-4B50-A442-F0985B8BAFD7}"/>
-    <dgm:cxn modelId="{FB3DD0BF-FA17-467D-B9B9-CB7BE907AFB4}" type="presOf" srcId="{5BBD5FDE-1D2C-42DA-83F5-6B202A79DEB6}" destId="{0D1B9487-4C22-4016-939D-043B0291F584}" srcOrd="0" destOrd="0" presId="urn:microsoft.com/office/officeart/2005/8/layout/StepDownProcess"/>
     <dgm:cxn modelId="{F0D5742B-2294-4B77-A664-15DBD561FEAC}" srcId="{5BBD5FDE-1D2C-42DA-83F5-6B202A79DEB6}" destId="{0066E030-6FED-4FC6-8D90-8713E368516D}" srcOrd="1" destOrd="0" parTransId="{175AB9A2-1C77-4D3D-A444-D80E867EB798}" sibTransId="{DD7C0922-5011-4F42-A0D9-73CEBB86FE66}"/>
     <dgm:cxn modelId="{A9DE97F2-B578-4DFB-AAC5-309A3BE3DD89}" type="presOf" srcId="{BF6DA2FA-786C-43EB-B9EC-DE8550F5DF5F}" destId="{7898A64E-DBE3-49BE-B7E0-134F02E6EA35}" srcOrd="0" destOrd="0" presId="urn:microsoft.com/office/officeart/2005/8/layout/StepDownProcess"/>
     <dgm:cxn modelId="{7F63F445-3183-4D86-8566-A831D3AD7BFE}" srcId="{A2E51F67-1AC2-4C2D-AD7C-7DBE5FBF8753}" destId="{BF6DA2FA-786C-43EB-B9EC-DE8550F5DF5F}" srcOrd="0" destOrd="0" parTransId="{D783280B-49D4-4D87-BD02-9F0609E41928}" sibTransId="{1E155412-5961-45E6-9F60-874613F91DB8}"/>
@@ -4406,6 +4448,13 @@
         </dgm:presLayoutVars>
       </dgm:prSet>
       <dgm:spPr/>
+      <dgm:t>
+        <a:bodyPr/>
+        <a:lstStyle/>
+        <a:p>
+          <a:endParaRPr lang="fr-FR"/>
+        </a:p>
+      </dgm:t>
     </dgm:pt>
     <dgm:pt modelId="{4193C330-D895-4619-9847-4B93D01BAE43}" type="pres">
       <dgm:prSet presAssocID="{DCB60813-FF56-4CAF-A270-3618E96724E4}" presName="Parent" presStyleLbl="node0" presStyleIdx="0" presStyleCnt="1" custScaleY="75194">
@@ -4814,6 +4863,13 @@
         </dgm:presLayoutVars>
       </dgm:prSet>
       <dgm:spPr/>
+      <dgm:t>
+        <a:bodyPr/>
+        <a:lstStyle/>
+        <a:p>
+          <a:endParaRPr lang="fr-FR"/>
+        </a:p>
+      </dgm:t>
     </dgm:pt>
     <dgm:pt modelId="{90CDF2FA-464D-4D24-8252-73FE7F93384F}" type="pres">
       <dgm:prSet presAssocID="{F51B2323-CA5D-4737-818F-172190D457A3}" presName="bullet3c" presStyleLbl="node1" presStyleIdx="2" presStyleCnt="3"/>
@@ -4839,6 +4895,13 @@
         </dgm:presLayoutVars>
       </dgm:prSet>
       <dgm:spPr/>
+      <dgm:t>
+        <a:bodyPr/>
+        <a:lstStyle/>
+        <a:p>
+          <a:endParaRPr lang="fr-FR"/>
+        </a:p>
+      </dgm:t>
     </dgm:pt>
   </dgm:ptLst>
   <dgm:cxnLst>
@@ -14316,7 +14379,7 @@
           <a:p>
             <a:fld id="{35C7B52B-3E5A-4B9C-A9F4-5800452A8829}" type="datetimeFigureOut">
               <a:rPr lang="fr-FR" smtClean="0"/>
-              <a:t>16/05/2015</a:t>
+              <a:t>17/05/2015</a:t>
             </a:fld>
             <a:endParaRPr lang="fr-FR"/>
           </a:p>
@@ -17510,7 +17573,7 @@
               <a:rPr lang="fr-FR" smtClean="0">
                 <a:latin typeface="Georgia" panose="02040502050405020303" pitchFamily="18" charset="0"/>
               </a:rPr>
-              <a:t>1</a:t>
+              <a:t>‹N°›</a:t>
             </a:fld>
             <a:r>
               <a:rPr lang="fr-FR" dirty="0" smtClean="0">
@@ -17827,7 +17890,7 @@
               <a:rPr lang="fr-FR" smtClean="0">
                 <a:latin typeface="Georgia" panose="02040502050405020303" pitchFamily="18" charset="0"/>
               </a:rPr>
-              <a:t>1</a:t>
+              <a:t>‹N°›</a:t>
             </a:fld>
             <a:r>
               <a:rPr lang="fr-FR" dirty="0" smtClean="0">
@@ -18289,7 +18352,7 @@
               <a:rPr lang="fr-FR" smtClean="0">
                 <a:latin typeface="Georgia" panose="02040502050405020303" pitchFamily="18" charset="0"/>
               </a:rPr>
-              <a:t>1</a:t>
+              <a:t>‹N°›</a:t>
             </a:fld>
             <a:r>
               <a:rPr lang="fr-FR" dirty="0" smtClean="0">
@@ -18606,7 +18669,7 @@
               <a:rPr lang="fr-FR" smtClean="0">
                 <a:latin typeface="Georgia" panose="02040502050405020303" pitchFamily="18" charset="0"/>
               </a:rPr>
-              <a:t>1</a:t>
+              <a:t>‹N°›</a:t>
             </a:fld>
             <a:r>
               <a:rPr lang="fr-FR" dirty="0" smtClean="0">
@@ -19068,7 +19131,7 @@
               <a:rPr lang="fr-FR" smtClean="0">
                 <a:latin typeface="Georgia" panose="02040502050405020303" pitchFamily="18" charset="0"/>
               </a:rPr>
-              <a:t>1</a:t>
+              <a:t>‹N°›</a:t>
             </a:fld>
             <a:r>
               <a:rPr lang="fr-FR" dirty="0" smtClean="0">
@@ -19445,7 +19508,7 @@
               <a:rPr lang="fr-FR" smtClean="0">
                 <a:latin typeface="Georgia" panose="02040502050405020303" pitchFamily="18" charset="0"/>
               </a:rPr>
-              <a:t>1</a:t>
+              <a:t>‹N°›</a:t>
             </a:fld>
             <a:r>
               <a:rPr lang="fr-FR" dirty="0" smtClean="0">
@@ -19681,7 +19744,7 @@
               <a:rPr lang="fr-FR" smtClean="0">
                 <a:latin typeface="Georgia" panose="02040502050405020303" pitchFamily="18" charset="0"/>
               </a:rPr>
-              <a:t>1</a:t>
+              <a:t>‹N°›</a:t>
             </a:fld>
             <a:r>
               <a:rPr lang="fr-FR" dirty="0" smtClean="0">
@@ -19927,7 +19990,7 @@
               <a:rPr lang="fr-FR" smtClean="0">
                 <a:latin typeface="Georgia" panose="02040502050405020303" pitchFamily="18" charset="0"/>
               </a:rPr>
-              <a:t>1</a:t>
+              <a:t>‹N°›</a:t>
             </a:fld>
             <a:r>
               <a:rPr lang="fr-FR" dirty="0" smtClean="0">
@@ -20149,7 +20212,7 @@
               <a:rPr lang="fr-FR" smtClean="0">
                 <a:latin typeface="Georgia" panose="02040502050405020303" pitchFamily="18" charset="0"/>
               </a:rPr>
-              <a:t>1</a:t>
+              <a:t>‹N°›</a:t>
             </a:fld>
             <a:r>
               <a:rPr lang="fr-FR" dirty="0" smtClean="0">
@@ -20562,7 +20625,7 @@
               <a:rPr lang="fr-FR" smtClean="0">
                 <a:latin typeface="Georgia" panose="02040502050405020303" pitchFamily="18" charset="0"/>
               </a:rPr>
-              <a:t>1</a:t>
+              <a:t>‹N°›</a:t>
             </a:fld>
             <a:r>
               <a:rPr lang="fr-FR" dirty="0" smtClean="0">
@@ -20997,7 +21060,7 @@
               <a:rPr lang="fr-FR" smtClean="0">
                 <a:latin typeface="Georgia" panose="02040502050405020303" pitchFamily="18" charset="0"/>
               </a:rPr>
-              <a:t>1</a:t>
+              <a:t>‹N°›</a:t>
             </a:fld>
             <a:r>
               <a:rPr lang="fr-FR" dirty="0" smtClean="0">
@@ -21410,7 +21473,7 @@
               <a:rPr lang="fr-FR" smtClean="0">
                 <a:latin typeface="Georgia" panose="02040502050405020303" pitchFamily="18" charset="0"/>
               </a:rPr>
-              <a:t>1</a:t>
+              <a:t>‹N°›</a:t>
             </a:fld>
             <a:r>
               <a:rPr lang="fr-FR" dirty="0" smtClean="0">
@@ -21599,7 +21662,7 @@
               <a:rPr lang="fr-FR" smtClean="0">
                 <a:latin typeface="Georgia" panose="02040502050405020303" pitchFamily="18" charset="0"/>
               </a:rPr>
-              <a:t>1</a:t>
+              <a:t>‹N°›</a:t>
             </a:fld>
             <a:r>
               <a:rPr lang="fr-FR" dirty="0" smtClean="0">
@@ -21760,7 +21823,7 @@
               <a:rPr lang="fr-FR" smtClean="0">
                 <a:latin typeface="Georgia" panose="02040502050405020303" pitchFamily="18" charset="0"/>
               </a:rPr>
-              <a:t>1</a:t>
+              <a:t>‹N°›</a:t>
             </a:fld>
             <a:r>
               <a:rPr lang="fr-FR" dirty="0" smtClean="0">
@@ -23201,7 +23264,7 @@
               <a:rPr lang="fr-FR" smtClean="0">
                 <a:latin typeface="Georgia" panose="02040502050405020303" pitchFamily="18" charset="0"/>
               </a:rPr>
-              <a:t>1</a:t>
+              <a:t>‹N°›</a:t>
             </a:fld>
             <a:r>
               <a:rPr lang="fr-FR" dirty="0" smtClean="0">
@@ -24033,14 +24096,14 @@
           <a:lstStyle/>
           <a:p>
             <a:pPr lvl="0"/>
-            <a:endParaRPr lang="en-US" smtClean="0">
+            <a:endParaRPr lang="en-US" dirty="0" smtClean="0">
               <a:sym typeface="Georgia"/>
             </a:endParaRPr>
           </a:p>
           <a:p>
             <a:pPr lvl="0"/>
             <a:r>
-              <a:rPr lang="en-US" smtClean="0">
+              <a:rPr lang="en-US" dirty="0" smtClean="0">
                 <a:sym typeface="Georgia"/>
               </a:rPr>
               <a:t>Achieves its goal</a:t>
@@ -24049,43 +24112,64 @@
           <a:p>
             <a:pPr lvl="1"/>
             <a:r>
-              <a:rPr lang="en-US" smtClean="0">
+              <a:rPr lang="en-US" dirty="0" smtClean="0">
                 <a:sym typeface="Georgia"/>
               </a:rPr>
-              <a:t>Improve your english by listening to music</a:t>
+              <a:t>Improve your </a:t>
+            </a:r>
+            <a:r>
+              <a:rPr lang="en-US" dirty="0" err="1" smtClean="0">
+                <a:sym typeface="Georgia"/>
+              </a:rPr>
+              <a:t>english</a:t>
+            </a:r>
+            <a:r>
+              <a:rPr lang="en-US" dirty="0" smtClean="0">
+                <a:sym typeface="Georgia"/>
+              </a:rPr>
+              <a:t> by listening to music</a:t>
             </a:r>
           </a:p>
           <a:p>
             <a:pPr lvl="1"/>
-            <a:endParaRPr lang="en-US" smtClean="0">
+            <a:endParaRPr lang="en-US" dirty="0" smtClean="0">
               <a:sym typeface="Georgia"/>
             </a:endParaRPr>
           </a:p>
           <a:p>
             <a:pPr lvl="1"/>
-            <a:endParaRPr lang="en-US" smtClean="0">
+            <a:endParaRPr lang="en-US" dirty="0" smtClean="0">
               <a:sym typeface="Georgia"/>
             </a:endParaRPr>
           </a:p>
           <a:p>
             <a:pPr lvl="1"/>
-            <a:endParaRPr lang="en-US" smtClean="0">
+            <a:endParaRPr lang="en-US" dirty="0" smtClean="0">
               <a:sym typeface="Georgia"/>
             </a:endParaRPr>
           </a:p>
           <a:p>
             <a:pPr lvl="0"/>
             <a:r>
-              <a:rPr lang="en-US" smtClean="0">
+              <a:rPr lang="en-US" dirty="0" smtClean="0">
                 <a:sym typeface="Georgia"/>
               </a:rPr>
-              <a:t>New features can be developped</a:t>
-            </a:r>
+              <a:t>New features can be </a:t>
+            </a:r>
+            <a:r>
+              <a:rPr lang="en-US" dirty="0" err="1" smtClean="0">
+                <a:sym typeface="Georgia"/>
+              </a:rPr>
+              <a:t>developped</a:t>
+            </a:r>
+            <a:endParaRPr lang="en-US" dirty="0" smtClean="0">
+              <a:sym typeface="Georgia"/>
+            </a:endParaRPr>
           </a:p>
           <a:p>
             <a:pPr lvl="1"/>
             <a:r>
-              <a:rPr lang="en-US" smtClean="0">
+              <a:rPr lang="en-US" dirty="0" smtClean="0">
                 <a:sym typeface="Georgia"/>
               </a:rPr>
               <a:t>Improve game experience of the user</a:t>
@@ -24093,7 +24177,7 @@
           </a:p>
           <a:p>
             <a:pPr lvl="1"/>
-            <a:endParaRPr lang="en-US">
+            <a:endParaRPr lang="en-US" dirty="0">
               <a:sym typeface="Georgia"/>
             </a:endParaRPr>
           </a:p>
@@ -24115,10 +24199,10 @@
           <a:lstStyle/>
           <a:p>
             <a:r>
-              <a:rPr lang="fr-FR" dirty="0" err="1" smtClean="0"/>
+              <a:rPr lang="fr-FR" b="0" i="0" dirty="0" err="1" smtClean="0"/>
               <a:t>Overview</a:t>
             </a:r>
-            <a:endParaRPr lang="fr-FR" dirty="0"/>
+            <a:endParaRPr lang="fr-FR" b="0" i="0" dirty="0"/>
           </a:p>
         </p:txBody>
       </p:sp>
@@ -24167,7 +24251,7 @@
         </p:blipFill>
         <p:spPr>
           <a:xfrm>
-            <a:off x="6588224" y="1628800"/>
+            <a:off x="5498717" y="1906386"/>
             <a:ext cx="1852439" cy="1852439"/>
           </a:xfrm>
           <a:prstGeom prst="rect">
@@ -24198,6 +24282,526 @@
 </file>
 
 <file path=ppt/slides/slide11.xml><?xml version="1.0" encoding="utf-8"?>
+<p:sld xmlns:a="http://schemas.openxmlformats.org/drawingml/2006/main" xmlns:r="http://schemas.openxmlformats.org/officeDocument/2006/relationships" xmlns:p="http://schemas.openxmlformats.org/presentationml/2006/main">
+  <p:cSld>
+    <p:spTree>
+      <p:nvGrpSpPr>
+        <p:cNvPr id="1" name="Shape 216"/>
+        <p:cNvGrpSpPr/>
+        <p:nvPr/>
+      </p:nvGrpSpPr>
+      <p:grpSpPr>
+        <a:xfrm>
+          <a:off x="0" y="0"/>
+          <a:ext cx="0" cy="0"/>
+          <a:chOff x="0" y="0"/>
+          <a:chExt cx="0" cy="0"/>
+        </a:xfrm>
+      </p:grpSpPr>
+      <p:sp>
+        <p:nvSpPr>
+          <p:cNvPr id="218" name="Shape 218"/>
+          <p:cNvSpPr txBox="1">
+            <a:spLocks noGrp="1"/>
+          </p:cNvSpPr>
+          <p:nvPr>
+            <p:ph idx="1"/>
+          </p:nvPr>
+        </p:nvSpPr>
+        <p:spPr/>
+        <p:txBody>
+          <a:bodyPr/>
+          <a:lstStyle/>
+          <a:p>
+            <a:r>
+              <a:rPr lang="fr-FR" dirty="0" err="1" smtClean="0"/>
+              <a:t>Improve</a:t>
+            </a:r>
+            <a:r>
+              <a:rPr lang="fr-FR" dirty="0" smtClean="0"/>
+              <a:t> the </a:t>
+            </a:r>
+            <a:r>
+              <a:rPr lang="fr-FR" dirty="0" err="1" smtClean="0"/>
+              <a:t>behavior</a:t>
+            </a:r>
+            <a:r>
+              <a:rPr lang="fr-FR" dirty="0" smtClean="0"/>
+              <a:t> of the </a:t>
+            </a:r>
+            <a:r>
+              <a:rPr lang="fr-FR" dirty="0" err="1" smtClean="0"/>
+              <a:t>process</a:t>
+            </a:r>
+            <a:endParaRPr lang="fr-FR" dirty="0"/>
+          </a:p>
+          <a:p>
+            <a:pPr lvl="1"/>
+            <a:r>
+              <a:rPr lang="en-US" dirty="0" smtClean="0">
+                <a:sym typeface="Georgia"/>
+              </a:rPr>
+              <a:t>Consider uppercase, lowercase</a:t>
+            </a:r>
+          </a:p>
+          <a:p>
+            <a:pPr lvl="1"/>
+            <a:r>
+              <a:rPr lang="en-US" dirty="0" smtClean="0">
+                <a:sym typeface="Georgia"/>
+              </a:rPr>
+              <a:t>Consider the place of words</a:t>
+            </a:r>
+          </a:p>
+          <a:p>
+            <a:pPr lvl="1"/>
+            <a:r>
+              <a:rPr lang="en-US" dirty="0" smtClean="0">
+                <a:sym typeface="Georgia"/>
+              </a:rPr>
+              <a:t>Consider typos</a:t>
+            </a:r>
+          </a:p>
+          <a:p>
+            <a:pPr lvl="1"/>
+            <a:r>
+              <a:rPr lang="en-US" dirty="0" smtClean="0">
+                <a:sym typeface="Georgia"/>
+              </a:rPr>
+              <a:t>Consider </a:t>
+            </a:r>
+            <a:r>
+              <a:rPr lang="en-US" dirty="0" smtClean="0">
+                <a:sym typeface="Georgia"/>
+              </a:rPr>
+              <a:t>punctuations</a:t>
+            </a:r>
+          </a:p>
+          <a:p>
+            <a:pPr lvl="1"/>
+            <a:r>
+              <a:rPr lang="en-US" dirty="0" smtClean="0">
+                <a:sym typeface="Georgia"/>
+              </a:rPr>
+              <a:t>Consider contractions</a:t>
+            </a:r>
+            <a:endParaRPr lang="en-US" dirty="0" smtClean="0">
+              <a:sym typeface="Georgia"/>
+            </a:endParaRPr>
+          </a:p>
+          <a:p>
+            <a:endParaRPr lang="en-US" dirty="0" smtClean="0">
+              <a:sym typeface="Georgia"/>
+            </a:endParaRPr>
+          </a:p>
+          <a:p>
+            <a:r>
+              <a:rPr lang="en-US" dirty="0" smtClean="0">
+                <a:sym typeface="Georgia"/>
+              </a:rPr>
+              <a:t>Improve score compute</a:t>
+            </a:r>
+          </a:p>
+          <a:p>
+            <a:pPr lvl="1"/>
+            <a:r>
+              <a:rPr lang="en-US" dirty="0">
+                <a:sym typeface="Georgia"/>
+              </a:rPr>
+              <a:t>Consider </a:t>
+            </a:r>
+            <a:r>
+              <a:rPr lang="en-US" dirty="0" smtClean="0">
+                <a:sym typeface="Georgia"/>
+              </a:rPr>
+              <a:t>above </a:t>
+            </a:r>
+            <a:r>
+              <a:rPr lang="en-US" dirty="0" err="1" smtClean="0">
+                <a:sym typeface="Georgia"/>
+              </a:rPr>
+              <a:t>changements</a:t>
+            </a:r>
+            <a:endParaRPr lang="en-US" dirty="0" smtClean="0">
+              <a:sym typeface="Georgia"/>
+            </a:endParaRPr>
+          </a:p>
+          <a:p>
+            <a:pPr lvl="1"/>
+            <a:r>
+              <a:rPr lang="en-US" dirty="0" smtClean="0">
+                <a:sym typeface="Georgia"/>
+              </a:rPr>
+              <a:t>Consider the time</a:t>
+            </a:r>
+            <a:endParaRPr lang="en-US" dirty="0">
+              <a:sym typeface="Georgia"/>
+            </a:endParaRPr>
+          </a:p>
+        </p:txBody>
+      </p:sp>
+      <p:sp>
+        <p:nvSpPr>
+          <p:cNvPr id="10" name="Espace réservé du contenu 9"/>
+          <p:cNvSpPr>
+            <a:spLocks noGrp="1"/>
+          </p:cNvSpPr>
+          <p:nvPr>
+            <p:ph sz="quarter" idx="13"/>
+          </p:nvPr>
+        </p:nvSpPr>
+        <p:spPr/>
+        <p:txBody>
+          <a:bodyPr/>
+          <a:lstStyle/>
+          <a:p>
+            <a:r>
+              <a:rPr lang="fr-FR" b="0" i="0" dirty="0" err="1" smtClean="0"/>
+              <a:t>Processing</a:t>
+            </a:r>
+            <a:endParaRPr lang="fr-FR" b="0" i="0" dirty="0"/>
+          </a:p>
+        </p:txBody>
+      </p:sp>
+      <p:sp>
+        <p:nvSpPr>
+          <p:cNvPr id="217" name="Shape 217"/>
+          <p:cNvSpPr txBox="1">
+            <a:spLocks noGrp="1"/>
+          </p:cNvSpPr>
+          <p:nvPr>
+            <p:ph type="title"/>
+          </p:nvPr>
+        </p:nvSpPr>
+        <p:spPr/>
+        <p:txBody>
+          <a:bodyPr>
+            <a:normAutofit fontScale="90000"/>
+          </a:bodyPr>
+          <a:lstStyle/>
+          <a:p>
+            <a:pPr lvl="0"/>
+            <a:r>
+              <a:rPr lang="en-US" dirty="0" smtClean="0">
+                <a:sym typeface="Georgia"/>
+              </a:rPr>
+              <a:t>Evolution</a:t>
+            </a:r>
+            <a:endParaRPr lang="en-US" dirty="0">
+              <a:sym typeface="Georgia"/>
+            </a:endParaRPr>
+          </a:p>
+        </p:txBody>
+      </p:sp>
+    </p:spTree>
+  </p:cSld>
+  <p:clrMapOvr>
+    <a:masterClrMapping/>
+  </p:clrMapOvr>
+  <p:transition spd="slow">
+    <p:cut/>
+  </p:transition>
+  <p:timing>
+    <p:tnLst>
+      <p:par>
+        <p:cTn id="1" dur="indefinite" restart="never" nodeType="tmRoot"/>
+      </p:par>
+    </p:tnLst>
+  </p:timing>
+</p:sld>
+</file>
+
+<file path=ppt/slides/slide12.xml><?xml version="1.0" encoding="utf-8"?>
+<p:sld xmlns:a="http://schemas.openxmlformats.org/drawingml/2006/main" xmlns:r="http://schemas.openxmlformats.org/officeDocument/2006/relationships" xmlns:p="http://schemas.openxmlformats.org/presentationml/2006/main">
+  <p:cSld>
+    <p:spTree>
+      <p:nvGrpSpPr>
+        <p:cNvPr id="1" name="Shape 222"/>
+        <p:cNvGrpSpPr/>
+        <p:nvPr/>
+      </p:nvGrpSpPr>
+      <p:grpSpPr>
+        <a:xfrm>
+          <a:off x="0" y="0"/>
+          <a:ext cx="0" cy="0"/>
+          <a:chOff x="0" y="0"/>
+          <a:chExt cx="0" cy="0"/>
+        </a:xfrm>
+      </p:grpSpPr>
+      <p:sp>
+        <p:nvSpPr>
+          <p:cNvPr id="224" name="Shape 224"/>
+          <p:cNvSpPr txBox="1">
+            <a:spLocks noGrp="1"/>
+          </p:cNvSpPr>
+          <p:nvPr>
+            <p:ph idx="1"/>
+          </p:nvPr>
+        </p:nvSpPr>
+        <p:spPr/>
+        <p:txBody>
+          <a:bodyPr/>
+          <a:lstStyle/>
+          <a:p>
+            <a:pPr lvl="0"/>
+            <a:r>
+              <a:rPr lang="en-US" dirty="0">
+                <a:sym typeface="Georgia"/>
+              </a:rPr>
+              <a:t>Add and modify user’s </a:t>
+            </a:r>
+            <a:r>
+              <a:rPr lang="en-US" dirty="0" err="1">
+                <a:sym typeface="Georgia"/>
+              </a:rPr>
+              <a:t>informations</a:t>
+            </a:r>
+            <a:endParaRPr lang="en-US" dirty="0">
+              <a:sym typeface="Georgia"/>
+            </a:endParaRPr>
+          </a:p>
+          <a:p>
+            <a:pPr lvl="1"/>
+            <a:r>
+              <a:rPr lang="en-US" dirty="0">
+                <a:sym typeface="Georgia"/>
+              </a:rPr>
+              <a:t>Password</a:t>
+            </a:r>
+          </a:p>
+          <a:p>
+            <a:pPr lvl="1"/>
+            <a:r>
+              <a:rPr lang="en-US" dirty="0">
+                <a:sym typeface="Georgia"/>
+              </a:rPr>
+              <a:t>Username</a:t>
+            </a:r>
+          </a:p>
+          <a:p>
+            <a:pPr lvl="1"/>
+            <a:r>
+              <a:rPr lang="en-US" dirty="0">
+                <a:sym typeface="Georgia"/>
+              </a:rPr>
+              <a:t>English level</a:t>
+            </a:r>
+          </a:p>
+          <a:p>
+            <a:endParaRPr lang="en-US" dirty="0" smtClean="0">
+              <a:sym typeface="Georgia"/>
+            </a:endParaRPr>
+          </a:p>
+          <a:p>
+            <a:r>
+              <a:rPr lang="en-US" dirty="0" smtClean="0">
+                <a:sym typeface="Georgia"/>
+              </a:rPr>
+              <a:t>Add </a:t>
+            </a:r>
+            <a:r>
+              <a:rPr lang="en-US" dirty="0" smtClean="0">
+                <a:sym typeface="Georgia"/>
+              </a:rPr>
+              <a:t>statistics</a:t>
+            </a:r>
+          </a:p>
+          <a:p>
+            <a:pPr lvl="1"/>
+            <a:r>
+              <a:rPr lang="en-US" dirty="0" smtClean="0">
+                <a:sym typeface="Georgia"/>
+              </a:rPr>
+              <a:t>Best players</a:t>
+            </a:r>
+          </a:p>
+          <a:p>
+            <a:pPr lvl="1"/>
+            <a:r>
+              <a:rPr lang="en-US" dirty="0" smtClean="0">
+                <a:sym typeface="Georgia"/>
+              </a:rPr>
+              <a:t>Common </a:t>
+            </a:r>
+            <a:r>
+              <a:rPr lang="en-US" dirty="0" smtClean="0">
+                <a:sym typeface="Georgia"/>
+              </a:rPr>
+              <a:t>mistakes</a:t>
+            </a:r>
+          </a:p>
+          <a:p>
+            <a:pPr lvl="1"/>
+            <a:r>
+              <a:rPr lang="en-US" dirty="0" smtClean="0">
+                <a:sym typeface="Georgia"/>
+              </a:rPr>
+              <a:t>Evolution of </a:t>
+            </a:r>
+            <a:r>
+              <a:rPr lang="en-US" dirty="0" err="1" smtClean="0">
+                <a:sym typeface="Georgia"/>
+              </a:rPr>
+              <a:t>english</a:t>
+            </a:r>
+            <a:r>
+              <a:rPr lang="en-US" dirty="0" smtClean="0">
+                <a:sym typeface="Georgia"/>
+              </a:rPr>
+              <a:t> level</a:t>
+            </a:r>
+            <a:endParaRPr lang="en-US" dirty="0" smtClean="0">
+              <a:sym typeface="Georgia"/>
+            </a:endParaRPr>
+          </a:p>
+          <a:p>
+            <a:pPr lvl="1"/>
+            <a:endParaRPr lang="en-US" dirty="0" smtClean="0">
+              <a:sym typeface="Georgia"/>
+            </a:endParaRPr>
+          </a:p>
+          <a:p>
+            <a:endParaRPr lang="en-US" dirty="0">
+              <a:sym typeface="Georgia"/>
+            </a:endParaRPr>
+          </a:p>
+          <a:p>
+            <a:endParaRPr lang="en-US" dirty="0" smtClean="0">
+              <a:sym typeface="Georgia"/>
+            </a:endParaRPr>
+          </a:p>
+        </p:txBody>
+      </p:sp>
+      <p:sp>
+        <p:nvSpPr>
+          <p:cNvPr id="10" name="Espace réservé du contenu 9"/>
+          <p:cNvSpPr>
+            <a:spLocks noGrp="1"/>
+          </p:cNvSpPr>
+          <p:nvPr>
+            <p:ph sz="quarter" idx="13"/>
+          </p:nvPr>
+        </p:nvSpPr>
+        <p:spPr/>
+        <p:txBody>
+          <a:bodyPr/>
+          <a:lstStyle/>
+          <a:p>
+            <a:r>
+              <a:rPr lang="fr-FR" b="0" i="0" dirty="0" err="1" smtClean="0"/>
+              <a:t>Missing</a:t>
+            </a:r>
+            <a:r>
+              <a:rPr lang="fr-FR" b="0" i="0" dirty="0" smtClean="0"/>
+              <a:t> informations</a:t>
+            </a:r>
+            <a:endParaRPr lang="fr-FR" b="0" i="0" dirty="0"/>
+          </a:p>
+        </p:txBody>
+      </p:sp>
+      <p:sp>
+        <p:nvSpPr>
+          <p:cNvPr id="223" name="Shape 223"/>
+          <p:cNvSpPr txBox="1">
+            <a:spLocks noGrp="1"/>
+          </p:cNvSpPr>
+          <p:nvPr>
+            <p:ph type="title"/>
+          </p:nvPr>
+        </p:nvSpPr>
+        <p:spPr/>
+        <p:txBody>
+          <a:bodyPr>
+            <a:normAutofit fontScale="90000"/>
+          </a:bodyPr>
+          <a:lstStyle/>
+          <a:p>
+            <a:pPr lvl="0"/>
+            <a:r>
+              <a:rPr lang="en-US" dirty="0" smtClean="0">
+                <a:sym typeface="Georgia"/>
+              </a:rPr>
+              <a:t>Evolution</a:t>
+            </a:r>
+            <a:endParaRPr lang="en-US" dirty="0">
+              <a:sym typeface="Georgia"/>
+            </a:endParaRPr>
+          </a:p>
+        </p:txBody>
+      </p:sp>
+      <p:pic>
+        <p:nvPicPr>
+          <p:cNvPr id="225" name="Shape 225"/>
+          <p:cNvPicPr preferRelativeResize="0"/>
+          <p:nvPr/>
+        </p:nvPicPr>
+        <p:blipFill rotWithShape="1">
+          <a:blip r:embed="rId3">
+            <a:alphaModFix/>
+          </a:blip>
+          <a:srcRect/>
+          <a:stretch/>
+        </p:blipFill>
+        <p:spPr>
+          <a:xfrm>
+            <a:off x="4164509" y="4243871"/>
+            <a:ext cx="2378732" cy="1487073"/>
+          </a:xfrm>
+          <a:prstGeom prst="rect">
+            <a:avLst/>
+          </a:prstGeom>
+          <a:noFill/>
+          <a:ln>
+            <a:noFill/>
+          </a:ln>
+        </p:spPr>
+      </p:pic>
+      <p:pic>
+        <p:nvPicPr>
+          <p:cNvPr id="226" name="Shape 226"/>
+          <p:cNvPicPr preferRelativeResize="0"/>
+          <p:nvPr/>
+        </p:nvPicPr>
+        <p:blipFill rotWithShape="1">
+          <a:blip r:embed="rId4">
+            <a:alphaModFix/>
+          </a:blip>
+          <a:srcRect/>
+          <a:stretch/>
+        </p:blipFill>
+        <p:spPr>
+          <a:xfrm>
+            <a:off x="5652289" y="2254809"/>
+            <a:ext cx="1219199" cy="1219200"/>
+          </a:xfrm>
+          <a:prstGeom prst="rect">
+            <a:avLst/>
+          </a:prstGeom>
+          <a:noFill/>
+          <a:ln>
+            <a:noFill/>
+          </a:ln>
+        </p:spPr>
+      </p:pic>
+    </p:spTree>
+  </p:cSld>
+  <p:clrMapOvr>
+    <a:masterClrMapping/>
+  </p:clrMapOvr>
+  <p:transition spd="slow">
+    <p:cut/>
+  </p:transition>
+  <p:timing>
+    <p:tnLst>
+      <p:par>
+        <p:cTn id="1" dur="indefinite" restart="never" nodeType="tmRoot"/>
+      </p:par>
+    </p:tnLst>
+  </p:timing>
+</p:sld>
+</file>
+
+<file path=ppt/slides/slide13.xml><?xml version="1.0" encoding="utf-8"?>
 <p:sld xmlns:a="http://schemas.openxmlformats.org/drawingml/2006/main" xmlns:r="http://schemas.openxmlformats.org/officeDocument/2006/relationships" xmlns:p="http://schemas.openxmlformats.org/presentationml/2006/main">
   <p:cSld>
     <p:spTree>
@@ -24304,26 +24908,17 @@
           <a:bodyPr/>
           <a:lstStyle/>
           <a:p>
-            <a:r>
-              <a:rPr lang="fr-FR" dirty="0" err="1" smtClean="0"/>
-              <a:t>Extend</a:t>
-            </a:r>
-            <a:r>
-              <a:rPr lang="fr-FR" dirty="0" smtClean="0"/>
-              <a:t> </a:t>
-            </a:r>
-            <a:r>
-              <a:rPr lang="fr-FR" dirty="0" err="1"/>
-              <a:t>our</a:t>
-            </a:r>
-            <a:r>
-              <a:rPr lang="fr-FR" dirty="0"/>
-              <a:t> </a:t>
-            </a:r>
-            <a:r>
-              <a:rPr lang="fr-FR" dirty="0" err="1" smtClean="0"/>
-              <a:t>limits</a:t>
-            </a:r>
+            <a:pPr marL="0" lvl="1" indent="0">
+              <a:buNone/>
+            </a:pPr>
+            <a:r>
+              <a:rPr lang="en-US" dirty="0">
+                <a:sym typeface="Georgia"/>
+              </a:rPr>
+              <a:t>Technologies changes</a:t>
+            </a:r>
+          </a:p>
+          <a:p>
             <a:endParaRPr lang="fr-FR" dirty="0"/>
           </a:p>
         </p:txBody>
@@ -24363,458 +24958,6 @@
   <p:clrMapOvr>
     <a:masterClrMapping/>
   </p:clrMapOvr>
-  <p:timing>
-    <p:tnLst>
-      <p:par>
-        <p:cTn id="1" dur="indefinite" restart="never" nodeType="tmRoot"/>
-      </p:par>
-    </p:tnLst>
-  </p:timing>
-</p:sld>
-</file>
-
-<file path=ppt/slides/slide12.xml><?xml version="1.0" encoding="utf-8"?>
-<p:sld xmlns:a="http://schemas.openxmlformats.org/drawingml/2006/main" xmlns:r="http://schemas.openxmlformats.org/officeDocument/2006/relationships" xmlns:p="http://schemas.openxmlformats.org/presentationml/2006/main">
-  <p:cSld>
-    <p:spTree>
-      <p:nvGrpSpPr>
-        <p:cNvPr id="1" name="Shape 216"/>
-        <p:cNvGrpSpPr/>
-        <p:nvPr/>
-      </p:nvGrpSpPr>
-      <p:grpSpPr>
-        <a:xfrm>
-          <a:off x="0" y="0"/>
-          <a:ext cx="0" cy="0"/>
-          <a:chOff x="0" y="0"/>
-          <a:chExt cx="0" cy="0"/>
-        </a:xfrm>
-      </p:grpSpPr>
-      <p:sp>
-        <p:nvSpPr>
-          <p:cNvPr id="218" name="Shape 218"/>
-          <p:cNvSpPr txBox="1">
-            <a:spLocks noGrp="1"/>
-          </p:cNvSpPr>
-          <p:nvPr>
-            <p:ph idx="1"/>
-          </p:nvPr>
-        </p:nvSpPr>
-        <p:spPr/>
-        <p:txBody>
-          <a:bodyPr/>
-          <a:lstStyle/>
-          <a:p>
-            <a:r>
-              <a:rPr lang="fr-FR" dirty="0" err="1" smtClean="0"/>
-              <a:t>Improve</a:t>
-            </a:r>
-            <a:r>
-              <a:rPr lang="fr-FR" dirty="0" smtClean="0"/>
-              <a:t> the </a:t>
-            </a:r>
-            <a:r>
-              <a:rPr lang="fr-FR" dirty="0" err="1" smtClean="0"/>
-              <a:t>behavior</a:t>
-            </a:r>
-            <a:r>
-              <a:rPr lang="fr-FR" dirty="0" smtClean="0"/>
-              <a:t> of the masking </a:t>
-            </a:r>
-            <a:r>
-              <a:rPr lang="fr-FR" dirty="0" err="1" smtClean="0"/>
-              <a:t>process</a:t>
-            </a:r>
-            <a:endParaRPr lang="fr-FR" dirty="0"/>
-          </a:p>
-          <a:p>
-            <a:pPr lvl="1"/>
-            <a:r>
-              <a:rPr lang="en-US" dirty="0" smtClean="0">
-                <a:sym typeface="Georgia"/>
-              </a:rPr>
-              <a:t>Consider uppercase, lowercase</a:t>
-            </a:r>
-          </a:p>
-          <a:p>
-            <a:pPr lvl="1"/>
-            <a:r>
-              <a:rPr lang="en-US" dirty="0" smtClean="0">
-                <a:sym typeface="Georgia"/>
-              </a:rPr>
-              <a:t>Consider the place of words</a:t>
-            </a:r>
-          </a:p>
-          <a:p>
-            <a:pPr lvl="1"/>
-            <a:r>
-              <a:rPr lang="en-US" dirty="0" smtClean="0">
-                <a:sym typeface="Georgia"/>
-              </a:rPr>
-              <a:t>Consider typos</a:t>
-            </a:r>
-          </a:p>
-          <a:p>
-            <a:pPr lvl="1"/>
-            <a:r>
-              <a:rPr lang="en-US" dirty="0" smtClean="0">
-                <a:sym typeface="Georgia"/>
-              </a:rPr>
-              <a:t>Consider punctuation</a:t>
-            </a:r>
-          </a:p>
-          <a:p>
-            <a:endParaRPr lang="en-US" dirty="0" smtClean="0">
-              <a:sym typeface="Georgia"/>
-            </a:endParaRPr>
-          </a:p>
-          <a:p>
-            <a:r>
-              <a:rPr lang="en-US" dirty="0" smtClean="0">
-                <a:sym typeface="Georgia"/>
-              </a:rPr>
-              <a:t>Improve score compute</a:t>
-            </a:r>
-          </a:p>
-          <a:p>
-            <a:pPr lvl="1"/>
-            <a:r>
-              <a:rPr lang="en-US" dirty="0">
-                <a:sym typeface="Georgia"/>
-              </a:rPr>
-              <a:t>Consider </a:t>
-            </a:r>
-            <a:r>
-              <a:rPr lang="en-US" dirty="0" smtClean="0">
-                <a:sym typeface="Georgia"/>
-              </a:rPr>
-              <a:t>above </a:t>
-            </a:r>
-            <a:r>
-              <a:rPr lang="en-US" dirty="0" err="1" smtClean="0">
-                <a:sym typeface="Georgia"/>
-              </a:rPr>
-              <a:t>changements</a:t>
-            </a:r>
-            <a:endParaRPr lang="en-US" dirty="0" smtClean="0">
-              <a:sym typeface="Georgia"/>
-            </a:endParaRPr>
-          </a:p>
-          <a:p>
-            <a:pPr lvl="1"/>
-            <a:r>
-              <a:rPr lang="en-US" dirty="0" smtClean="0">
-                <a:sym typeface="Georgia"/>
-              </a:rPr>
-              <a:t>Consider the time</a:t>
-            </a:r>
-            <a:endParaRPr lang="en-US" dirty="0">
-              <a:sym typeface="Georgia"/>
-            </a:endParaRPr>
-          </a:p>
-        </p:txBody>
-      </p:sp>
-      <p:sp>
-        <p:nvSpPr>
-          <p:cNvPr id="10" name="Espace réservé du contenu 9"/>
-          <p:cNvSpPr>
-            <a:spLocks noGrp="1"/>
-          </p:cNvSpPr>
-          <p:nvPr>
-            <p:ph sz="quarter" idx="13"/>
-          </p:nvPr>
-        </p:nvSpPr>
-        <p:spPr/>
-        <p:txBody>
-          <a:bodyPr/>
-          <a:lstStyle/>
-          <a:p>
-            <a:r>
-              <a:rPr lang="fr-FR" dirty="0" err="1" smtClean="0"/>
-              <a:t>Processing</a:t>
-            </a:r>
-            <a:endParaRPr lang="fr-FR" dirty="0"/>
-          </a:p>
-        </p:txBody>
-      </p:sp>
-      <p:sp>
-        <p:nvSpPr>
-          <p:cNvPr id="217" name="Shape 217"/>
-          <p:cNvSpPr txBox="1">
-            <a:spLocks noGrp="1"/>
-          </p:cNvSpPr>
-          <p:nvPr>
-            <p:ph type="title"/>
-          </p:nvPr>
-        </p:nvSpPr>
-        <p:spPr/>
-        <p:txBody>
-          <a:bodyPr>
-            <a:normAutofit fontScale="90000"/>
-          </a:bodyPr>
-          <a:lstStyle/>
-          <a:p>
-            <a:pPr lvl="0"/>
-            <a:r>
-              <a:rPr lang="en-US" dirty="0" smtClean="0">
-                <a:sym typeface="Georgia"/>
-              </a:rPr>
-              <a:t>Evolution</a:t>
-            </a:r>
-            <a:endParaRPr lang="en-US" dirty="0">
-              <a:sym typeface="Georgia"/>
-            </a:endParaRPr>
-          </a:p>
-        </p:txBody>
-      </p:sp>
-    </p:spTree>
-  </p:cSld>
-  <p:clrMapOvr>
-    <a:masterClrMapping/>
-  </p:clrMapOvr>
-  <p:transition spd="slow">
-    <p:cut/>
-  </p:transition>
-  <p:timing>
-    <p:tnLst>
-      <p:par>
-        <p:cTn id="1" dur="indefinite" restart="never" nodeType="tmRoot"/>
-      </p:par>
-    </p:tnLst>
-  </p:timing>
-</p:sld>
-</file>
-
-<file path=ppt/slides/slide13.xml><?xml version="1.0" encoding="utf-8"?>
-<p:sld xmlns:a="http://schemas.openxmlformats.org/drawingml/2006/main" xmlns:r="http://schemas.openxmlformats.org/officeDocument/2006/relationships" xmlns:p="http://schemas.openxmlformats.org/presentationml/2006/main">
-  <p:cSld>
-    <p:spTree>
-      <p:nvGrpSpPr>
-        <p:cNvPr id="1" name="Shape 222"/>
-        <p:cNvGrpSpPr/>
-        <p:nvPr/>
-      </p:nvGrpSpPr>
-      <p:grpSpPr>
-        <a:xfrm>
-          <a:off x="0" y="0"/>
-          <a:ext cx="0" cy="0"/>
-          <a:chOff x="0" y="0"/>
-          <a:chExt cx="0" cy="0"/>
-        </a:xfrm>
-      </p:grpSpPr>
-      <p:sp>
-        <p:nvSpPr>
-          <p:cNvPr id="224" name="Shape 224"/>
-          <p:cNvSpPr txBox="1">
-            <a:spLocks noGrp="1"/>
-          </p:cNvSpPr>
-          <p:nvPr>
-            <p:ph idx="1"/>
-          </p:nvPr>
-        </p:nvSpPr>
-        <p:spPr/>
-        <p:txBody>
-          <a:bodyPr/>
-          <a:lstStyle/>
-          <a:p>
-            <a:r>
-              <a:rPr lang="en-US" dirty="0" smtClean="0">
-                <a:sym typeface="Georgia"/>
-              </a:rPr>
-              <a:t>Add statistics</a:t>
-            </a:r>
-          </a:p>
-          <a:p>
-            <a:pPr lvl="1"/>
-            <a:r>
-              <a:rPr lang="en-US" dirty="0" smtClean="0">
-                <a:sym typeface="Georgia"/>
-              </a:rPr>
-              <a:t>Best players</a:t>
-            </a:r>
-          </a:p>
-          <a:p>
-            <a:pPr lvl="1"/>
-            <a:r>
-              <a:rPr lang="en-US" dirty="0" smtClean="0">
-                <a:sym typeface="Georgia"/>
-              </a:rPr>
-              <a:t>Common mistakes</a:t>
-            </a:r>
-          </a:p>
-          <a:p>
-            <a:pPr lvl="1"/>
-            <a:endParaRPr lang="en-US" dirty="0" smtClean="0">
-              <a:sym typeface="Georgia"/>
-            </a:endParaRPr>
-          </a:p>
-          <a:p>
-            <a:pPr lvl="0"/>
-            <a:r>
-              <a:rPr lang="en-US" dirty="0" smtClean="0">
-                <a:sym typeface="Georgia"/>
-              </a:rPr>
-              <a:t>Add and modify user’s </a:t>
-            </a:r>
-            <a:r>
-              <a:rPr lang="en-US" dirty="0" err="1" smtClean="0">
-                <a:sym typeface="Georgia"/>
-              </a:rPr>
-              <a:t>informations</a:t>
-            </a:r>
-            <a:endParaRPr lang="en-US" dirty="0" smtClean="0">
-              <a:sym typeface="Georgia"/>
-            </a:endParaRPr>
-          </a:p>
-          <a:p>
-            <a:pPr lvl="1"/>
-            <a:r>
-              <a:rPr lang="en-US" dirty="0" smtClean="0">
-                <a:sym typeface="Georgia"/>
-              </a:rPr>
-              <a:t>Password</a:t>
-            </a:r>
-          </a:p>
-          <a:p>
-            <a:pPr lvl="1"/>
-            <a:r>
-              <a:rPr lang="en-US" dirty="0" smtClean="0">
-                <a:sym typeface="Georgia"/>
-              </a:rPr>
-              <a:t>Username</a:t>
-            </a:r>
-          </a:p>
-          <a:p>
-            <a:endParaRPr lang="en-US" dirty="0">
-              <a:sym typeface="Georgia"/>
-            </a:endParaRPr>
-          </a:p>
-          <a:p>
-            <a:endParaRPr lang="en-US" dirty="0" smtClean="0">
-              <a:sym typeface="Georgia"/>
-            </a:endParaRPr>
-          </a:p>
-        </p:txBody>
-      </p:sp>
-      <p:sp>
-        <p:nvSpPr>
-          <p:cNvPr id="10" name="Espace réservé du contenu 9"/>
-          <p:cNvSpPr>
-            <a:spLocks noGrp="1"/>
-          </p:cNvSpPr>
-          <p:nvPr>
-            <p:ph sz="quarter" idx="13"/>
-          </p:nvPr>
-        </p:nvSpPr>
-        <p:spPr/>
-        <p:txBody>
-          <a:bodyPr/>
-          <a:lstStyle/>
-          <a:p>
-            <a:r>
-              <a:rPr lang="fr-FR" dirty="0" err="1" smtClean="0"/>
-              <a:t>Missing</a:t>
-            </a:r>
-            <a:r>
-              <a:rPr lang="fr-FR" dirty="0" smtClean="0"/>
-              <a:t> informations</a:t>
-            </a:r>
-            <a:endParaRPr lang="fr-FR" dirty="0"/>
-          </a:p>
-        </p:txBody>
-      </p:sp>
-      <p:sp>
-        <p:nvSpPr>
-          <p:cNvPr id="223" name="Shape 223"/>
-          <p:cNvSpPr txBox="1">
-            <a:spLocks noGrp="1"/>
-          </p:cNvSpPr>
-          <p:nvPr>
-            <p:ph type="title"/>
-          </p:nvPr>
-        </p:nvSpPr>
-        <p:spPr/>
-        <p:txBody>
-          <a:bodyPr>
-            <a:normAutofit fontScale="90000"/>
-          </a:bodyPr>
-          <a:lstStyle/>
-          <a:p>
-            <a:pPr lvl="0"/>
-            <a:r>
-              <a:rPr lang="en-US" dirty="0" smtClean="0">
-                <a:sym typeface="Georgia"/>
-              </a:rPr>
-              <a:t>Evolution</a:t>
-            </a:r>
-            <a:endParaRPr lang="en-US" dirty="0">
-              <a:sym typeface="Georgia"/>
-            </a:endParaRPr>
-          </a:p>
-        </p:txBody>
-      </p:sp>
-      <p:pic>
-        <p:nvPicPr>
-          <p:cNvPr id="225" name="Shape 225"/>
-          <p:cNvPicPr preferRelativeResize="0"/>
-          <p:nvPr/>
-        </p:nvPicPr>
-        <p:blipFill rotWithShape="1">
-          <a:blip r:embed="rId3">
-            <a:alphaModFix/>
-          </a:blip>
-          <a:srcRect/>
-          <a:stretch/>
-        </p:blipFill>
-        <p:spPr>
-          <a:xfrm>
-            <a:off x="4244592" y="1874933"/>
-            <a:ext cx="2378732" cy="1487073"/>
-          </a:xfrm>
-          <a:prstGeom prst="rect">
-            <a:avLst/>
-          </a:prstGeom>
-          <a:noFill/>
-          <a:ln>
-            <a:noFill/>
-          </a:ln>
-        </p:spPr>
-      </p:pic>
-      <p:pic>
-        <p:nvPicPr>
-          <p:cNvPr id="226" name="Shape 226"/>
-          <p:cNvPicPr preferRelativeResize="0"/>
-          <p:nvPr/>
-        </p:nvPicPr>
-        <p:blipFill rotWithShape="1">
-          <a:blip r:embed="rId4">
-            <a:alphaModFix/>
-          </a:blip>
-          <a:srcRect/>
-          <a:stretch/>
-        </p:blipFill>
-        <p:spPr>
-          <a:xfrm>
-            <a:off x="3999335" y="4822163"/>
-            <a:ext cx="1219199" cy="1219200"/>
-          </a:xfrm>
-          <a:prstGeom prst="rect">
-            <a:avLst/>
-          </a:prstGeom>
-          <a:noFill/>
-          <a:ln>
-            <a:noFill/>
-          </a:ln>
-        </p:spPr>
-      </p:pic>
-    </p:spTree>
-  </p:cSld>
-  <p:clrMapOvr>
-    <a:masterClrMapping/>
-  </p:clrMapOvr>
-  <p:transition spd="slow">
-    <p:cut/>
-  </p:transition>
   <p:timing>
     <p:tnLst>
       <p:par>
@@ -24912,11 +25055,17 @@
               <a:rPr lang="en-US" dirty="0">
                 <a:sym typeface="Georgia"/>
               </a:rPr>
-              <a:t>Technologies changes</a:t>
-            </a:r>
-          </a:p>
-          <a:p>
-            <a:endParaRPr lang="fr-FR" dirty="0"/>
+              <a:t>Technologies </a:t>
+            </a:r>
+            <a:r>
+              <a:rPr lang="en-US" dirty="0" smtClean="0">
+                <a:sym typeface="Georgia"/>
+              </a:rPr>
+              <a:t>changes</a:t>
+            </a:r>
+            <a:endParaRPr lang="en-US" dirty="0">
+              <a:sym typeface="Georgia"/>
+            </a:endParaRPr>
           </a:p>
         </p:txBody>
       </p:sp>
@@ -25562,9 +25711,6 @@
               </a:rPr>
               <a:t>Capture</a:t>
             </a:r>
-            <a:endParaRPr lang="en-US" dirty="0" smtClean="0">
-              <a:sym typeface="Georgia"/>
-            </a:endParaRPr>
           </a:p>
           <a:p>
             <a:pPr lvl="1"/>
@@ -25574,9 +25720,6 @@
               </a:rPr>
               <a:t>Processing</a:t>
             </a:r>
-            <a:endParaRPr lang="en-US" dirty="0" smtClean="0">
-              <a:sym typeface="Georgia"/>
-            </a:endParaRPr>
           </a:p>
           <a:p>
             <a:pPr lvl="1"/>
@@ -25609,8 +25752,11 @@
               <a:rPr lang="en-US" dirty="0" smtClean="0">
                 <a:sym typeface="Georgia"/>
               </a:rPr>
-              <a:t>Extend our limits</a:t>
-            </a:r>
+              <a:t>Processing</a:t>
+            </a:r>
+            <a:endParaRPr lang="en-US" dirty="0" smtClean="0">
+              <a:sym typeface="Georgia"/>
+            </a:endParaRPr>
           </a:p>
           <a:p>
             <a:pPr lvl="1"/>
@@ -27722,9 +27868,6 @@
               </a:rPr>
               <a:t>Global :  ladder on each track</a:t>
             </a:r>
-            <a:endParaRPr lang="en-US" dirty="0" smtClean="0">
-              <a:sym typeface="Georgia"/>
-            </a:endParaRPr>
           </a:p>
           <a:p>
             <a:pPr lvl="0"/>
@@ -28068,7 +28211,7 @@
   <a:extraClrSchemeLst/>
   <a:extLst>
     <a:ext uri="{05A4C25C-085E-4340-85A3-A5531E510DB2}">
-      <thm15:themeFamily xmlns:thm15="http://schemas.microsoft.com/office/thememl/2012/main" name="Facet" id="{C0C680CD-088A-49FC-A102-D699147F32B2}" vid="{0B5AB586-D108-4FC1-8368-649FE654B894}"/>
+      <thm15:themeFamily xmlns:thm15="http://schemas.microsoft.com/office/thememl/2012/main" xmlns="" name="Facet" id="{C0C680CD-088A-49FC-A102-D699147F32B2}" vid="{0B5AB586-D108-4FC1-8368-649FE654B894}"/>
     </a:ext>
   </a:extLst>
 </a:theme>
@@ -28608,7 +28751,7 @@
   <a:extraClrSchemeLst/>
   <a:extLst>
     <a:ext uri="{05A4C25C-085E-4340-85A3-A5531E510DB2}">
-      <thm15:themeFamily xmlns:thm15="http://schemas.microsoft.com/office/thememl/2012/main" name="Office Theme" id="{62F939B6-93AF-4DB8-9C6B-D6C7DFDC589F}" vid="{4A3C46E8-61CC-4603-A589-7422A47A8E4A}"/>
+      <thm15:themeFamily xmlns:thm15="http://schemas.microsoft.com/office/thememl/2012/main" xmlns="" name="Office Theme" id="{62F939B6-93AF-4DB8-9C6B-D6C7DFDC589F}" vid="{4A3C46E8-61CC-4603-A589-7422A47A8E4A}"/>
     </a:ext>
   </a:extLst>
 </a:theme>

--- a/English_project.pptx
+++ b/English_project.pptx
@@ -241,6 +241,25 @@
       </a:defRPr>
     </a:lvl9pPr>
   </p:defaultTextStyle>
+  <p:extLst>
+    <p:ext uri="{EFAFB233-063F-42B5-8137-9DF3F51BA10A}">
+      <p15:sldGuideLst xmlns:p15="http://schemas.microsoft.com/office/powerpoint/2012/main">
+        <p15:guide id="1" orient="horz" pos="2160">
+          <p15:clr>
+            <a:srgbClr val="A4A3A4"/>
+          </p15:clr>
+        </p15:guide>
+        <p15:guide id="2" pos="2880">
+          <p15:clr>
+            <a:srgbClr val="A4A3A4"/>
+          </p15:clr>
+        </p15:guide>
+      </p15:sldGuideLst>
+    </p:ext>
+    <p:ext uri="{2D200454-40CA-4A62-9FC3-DE9A4176ACB9}">
+      <p15:notesGuideLst xmlns:p15="http://schemas.microsoft.com/office/powerpoint/2012/main"/>
+    </p:ext>
+  </p:extLst>
 </p:presentation>
 </file>
 
@@ -3788,11 +3807,15 @@
         <a:p>
           <a:r>
             <a:rPr lang="fr-FR" dirty="0" err="1" smtClean="0"/>
-            <a:t>Hidden</a:t>
+            <a:t>Hide</a:t>
           </a:r>
           <a:r>
             <a:rPr lang="fr-FR" dirty="0" smtClean="0"/>
-            <a:t> the </a:t>
+            <a:t> </a:t>
+          </a:r>
+          <a:r>
+            <a:rPr lang="fr-FR" dirty="0" smtClean="0"/>
+            <a:t>the </a:t>
           </a:r>
           <a:r>
             <a:rPr lang="fr-FR" dirty="0" err="1" smtClean="0"/>
@@ -5780,11 +5803,15 @@
           </a:pPr>
           <a:r>
             <a:rPr lang="fr-FR" sz="1500" kern="1200" dirty="0" err="1" smtClean="0"/>
-            <a:t>Hidden</a:t>
+            <a:t>Hide</a:t>
           </a:r>
           <a:r>
             <a:rPr lang="fr-FR" sz="1500" kern="1200" dirty="0" smtClean="0"/>
-            <a:t> the </a:t>
+            <a:t> </a:t>
+          </a:r>
+          <a:r>
+            <a:rPr lang="fr-FR" sz="1500" kern="1200" dirty="0" smtClean="0"/>
+            <a:t>the </a:t>
           </a:r>
           <a:r>
             <a:rPr lang="fr-FR" sz="1500" kern="1200" dirty="0" err="1" smtClean="0"/>
@@ -24368,13 +24395,7 @@
               <a:rPr lang="en-US" dirty="0" smtClean="0">
                 <a:sym typeface="Georgia"/>
               </a:rPr>
-              <a:t>Consider </a:t>
-            </a:r>
-            <a:r>
-              <a:rPr lang="en-US" dirty="0" smtClean="0">
-                <a:sym typeface="Georgia"/>
-              </a:rPr>
-              <a:t>punctuations</a:t>
+              <a:t>Consider punctuations</a:t>
             </a:r>
           </a:p>
           <a:p>
@@ -24385,9 +24406,6 @@
               </a:rPr>
               <a:t>Consider contractions</a:t>
             </a:r>
-            <a:endParaRPr lang="en-US" dirty="0" smtClean="0">
-              <a:sym typeface="Georgia"/>
-            </a:endParaRPr>
           </a:p>
           <a:p>
             <a:endParaRPr lang="en-US" dirty="0" smtClean="0">
@@ -24597,13 +24615,7 @@
               <a:rPr lang="en-US" dirty="0" smtClean="0">
                 <a:sym typeface="Georgia"/>
               </a:rPr>
-              <a:t>Add </a:t>
-            </a:r>
-            <a:r>
-              <a:rPr lang="en-US" dirty="0" smtClean="0">
-                <a:sym typeface="Georgia"/>
-              </a:rPr>
-              <a:t>statistics</a:t>
+              <a:t>Add statistics</a:t>
             </a:r>
           </a:p>
           <a:p>
@@ -24621,13 +24633,7 @@
               <a:rPr lang="en-US" dirty="0" smtClean="0">
                 <a:sym typeface="Georgia"/>
               </a:rPr>
-              <a:t>Common </a:t>
-            </a:r>
-            <a:r>
-              <a:rPr lang="en-US" dirty="0" smtClean="0">
-                <a:sym typeface="Georgia"/>
-              </a:rPr>
-              <a:t>mistakes</a:t>
+              <a:t>Common mistakes</a:t>
             </a:r>
           </a:p>
           <a:p>
@@ -24650,9 +24656,6 @@
               </a:rPr>
               <a:t> level</a:t>
             </a:r>
-            <a:endParaRPr lang="en-US" dirty="0" smtClean="0">
-              <a:sym typeface="Georgia"/>
-            </a:endParaRPr>
           </a:p>
           <a:p>
             <a:pPr lvl="1"/>
@@ -25754,9 +25757,6 @@
               </a:rPr>
               <a:t>Processing</a:t>
             </a:r>
-            <a:endParaRPr lang="en-US" dirty="0" smtClean="0">
-              <a:sym typeface="Georgia"/>
-            </a:endParaRPr>
           </a:p>
           <a:p>
             <a:pPr lvl="1"/>
@@ -25855,12 +25855,12 @@
               <a:t>Opportunity to </a:t>
             </a:r>
             <a:r>
-              <a:rPr lang="en-US" dirty="0" err="1" smtClean="0"/>
-              <a:t>developp</a:t>
-            </a:r>
-            <a:r>
               <a:rPr lang="en-US" dirty="0" smtClean="0"/>
-              <a:t> an interesting software</a:t>
+              <a:t>develop </a:t>
+            </a:r>
+            <a:r>
+              <a:rPr lang="en-US" dirty="0" smtClean="0"/>
+              <a:t>an interesting software</a:t>
             </a:r>
           </a:p>
           <a:p>
@@ -26269,7 +26269,7 @@
           <p:nvPr>
             <p:extLst>
               <p:ext uri="{D42A27DB-BD31-4B8C-83A1-F6EECF244321}">
-                <p14:modId xmlns:p14="http://schemas.microsoft.com/office/powerpoint/2010/main" val="644918877"/>
+                <p14:modId xmlns:p14="http://schemas.microsoft.com/office/powerpoint/2010/main" val="517718254"/>
               </p:ext>
             </p:extLst>
           </p:nvPr>
@@ -26684,7 +26684,7 @@
             </a:r>
             <a:r>
               <a:rPr lang="fr-FR" dirty="0" err="1" smtClean="0"/>
-              <a:t>Huselin</a:t>
+              <a:t>Hustlin</a:t>
             </a:r>
             <a:r>
               <a:rPr lang="fr-FR" dirty="0" smtClean="0"/>
@@ -27813,7 +27813,12 @@
             <p:ph idx="1"/>
           </p:nvPr>
         </p:nvSpPr>
-        <p:spPr/>
+        <p:spPr>
+          <a:xfrm>
+            <a:off x="609599" y="2150316"/>
+            <a:ext cx="6347714" cy="3880773"/>
+          </a:xfrm>
+        </p:spPr>
         <p:txBody>
           <a:bodyPr>
             <a:normAutofit/>
@@ -27876,12 +27881,17 @@
             </a:endParaRPr>
           </a:p>
           <a:p>
-            <a:pPr lvl="0"/>
             <a:r>
               <a:rPr lang="en-US" dirty="0" smtClean="0">
                 <a:sym typeface="Georgia"/>
               </a:rPr>
-              <a:t>   Now, let move onto the demonstration of our game</a:t>
+              <a:t>Now</a:t>
+            </a:r>
+            <a:r>
+              <a:rPr lang="en-US" dirty="0" smtClean="0">
+                <a:sym typeface="Georgia"/>
+              </a:rPr>
+              <a:t>, let move onto the demonstration of our game</a:t>
             </a:r>
             <a:endParaRPr lang="en-US" dirty="0">
               <a:sym typeface="Georgia"/>
@@ -28211,7 +28221,7 @@
   <a:extraClrSchemeLst/>
   <a:extLst>
     <a:ext uri="{05A4C25C-085E-4340-85A3-A5531E510DB2}">
-      <thm15:themeFamily xmlns:thm15="http://schemas.microsoft.com/office/thememl/2012/main" xmlns="" name="Facet" id="{C0C680CD-088A-49FC-A102-D699147F32B2}" vid="{0B5AB586-D108-4FC1-8368-649FE654B894}"/>
+      <thm15:themeFamily xmlns:thm15="http://schemas.microsoft.com/office/thememl/2012/main" name="Facet" id="{C0C680CD-088A-49FC-A102-D699147F32B2}" vid="{0B5AB586-D108-4FC1-8368-649FE654B894}"/>
     </a:ext>
   </a:extLst>
 </a:theme>
@@ -28751,7 +28761,7 @@
   <a:extraClrSchemeLst/>
   <a:extLst>
     <a:ext uri="{05A4C25C-085E-4340-85A3-A5531E510DB2}">
-      <thm15:themeFamily xmlns:thm15="http://schemas.microsoft.com/office/thememl/2012/main" xmlns="" name="Office Theme" id="{62F939B6-93AF-4DB8-9C6B-D6C7DFDC589F}" vid="{4A3C46E8-61CC-4603-A589-7422A47A8E4A}"/>
+      <thm15:themeFamily xmlns:thm15="http://schemas.microsoft.com/office/thememl/2012/main" name="Office Theme" id="{62F939B6-93AF-4DB8-9C6B-D6C7DFDC589F}" vid="{4A3C46E8-61CC-4603-A589-7422A47A8E4A}"/>
     </a:ext>
   </a:extLst>
 </a:theme>

--- a/English_project.pptx
+++ b/English_project.pptx
@@ -1,6 +1,6 @@
 
 <file path=ppt/presentation.xml><?xml version="1.0" encoding="utf-8"?>
-<p:presentation xmlns:a="http://schemas.openxmlformats.org/drawingml/2006/main" xmlns:r="http://schemas.openxmlformats.org/officeDocument/2006/relationships" xmlns:p="http://schemas.openxmlformats.org/presentationml/2006/main" strictFirstAndLastChars="0" saveSubsetFonts="1" autoCompressPictures="0">
+<p:presentation xmlns:a="http://schemas.openxmlformats.org/drawingml/2006/main" xmlns:r="http://schemas.openxmlformats.org/officeDocument/2006/relationships" xmlns:p="http://schemas.openxmlformats.org/presentationml/2006/main" showSpecialPlsOnTitleSld="0" strictFirstAndLastChars="0" saveSubsetFonts="1" autoCompressPictures="0">
   <p:sldMasterIdLst>
     <p:sldMasterId id="2147483834" r:id="rId1"/>
   </p:sldMasterIdLst>
@@ -243,7 +243,7 @@
   </p:defaultTextStyle>
   <p:extLst>
     <p:ext uri="{EFAFB233-063F-42B5-8137-9DF3F51BA10A}">
-      <p15:sldGuideLst xmlns:p15="http://schemas.microsoft.com/office/powerpoint/2012/main">
+      <p15:sldGuideLst xmlns:p15="http://schemas.microsoft.com/office/powerpoint/2012/main" xmlns="">
         <p15:guide id="1" orient="horz" pos="2160">
           <p15:clr>
             <a:srgbClr val="A4A3A4"/>
@@ -257,7 +257,7 @@
       </p15:sldGuideLst>
     </p:ext>
     <p:ext uri="{2D200454-40CA-4A62-9FC3-DE9A4176ACB9}">
-      <p15:notesGuideLst xmlns:p15="http://schemas.microsoft.com/office/powerpoint/2012/main"/>
+      <p15:notesGuideLst xmlns:p15="http://schemas.microsoft.com/office/powerpoint/2012/main" xmlns=""/>
     </p:ext>
   </p:extLst>
 </p:presentation>
@@ -3811,11 +3811,7 @@
           </a:r>
           <a:r>
             <a:rPr lang="fr-FR" dirty="0" smtClean="0"/>
-            <a:t> </a:t>
-          </a:r>
-          <a:r>
-            <a:rPr lang="fr-FR" dirty="0" smtClean="0"/>
-            <a:t>the </a:t>
+            <a:t> the </a:t>
           </a:r>
           <a:r>
             <a:rPr lang="fr-FR" dirty="0" err="1" smtClean="0"/>
@@ -5807,11 +5803,7 @@
           </a:r>
           <a:r>
             <a:rPr lang="fr-FR" sz="1500" kern="1200" dirty="0" smtClean="0"/>
-            <a:t> </a:t>
-          </a:r>
-          <a:r>
-            <a:rPr lang="fr-FR" sz="1500" kern="1200" dirty="0" smtClean="0"/>
-            <a:t>the </a:t>
+            <a:t> the </a:t>
           </a:r>
           <a:r>
             <a:rPr lang="fr-FR" sz="1500" kern="1200" dirty="0" err="1" smtClean="0"/>
@@ -24145,16 +24137,28 @@
               <a:t>Improve your </a:t>
             </a:r>
             <a:r>
+              <a:rPr lang="en-US" dirty="0" err="1">
+                <a:sym typeface="Georgia"/>
+              </a:rPr>
+              <a:t>e</a:t>
+            </a:r>
+            <a:r>
               <a:rPr lang="en-US" dirty="0" err="1" smtClean="0">
                 <a:sym typeface="Georgia"/>
               </a:rPr>
-              <a:t>english</a:t>
+              <a:t>nglish</a:t>
             </a:r>
             <a:r>
               <a:rPr lang="en-US" dirty="0" smtClean="0">
                 <a:sym typeface="Georgia"/>
               </a:rPr>
-              <a:t> by listening to music</a:t>
+              <a:t> </a:t>
+            </a:r>
+            <a:r>
+              <a:rPr lang="en-US" dirty="0" smtClean="0">
+                <a:sym typeface="Georgia"/>
+              </a:rPr>
+              <a:t>by listening to music</a:t>
             </a:r>
           </a:p>
           <a:p>
@@ -24181,13 +24185,7 @@
               <a:rPr lang="en-US" dirty="0" smtClean="0">
                 <a:sym typeface="Georgia"/>
               </a:rPr>
-              <a:t>New features can be </a:t>
-            </a:r>
-            <a:r>
-              <a:rPr lang="en-US" dirty="0" err="1" smtClean="0">
-                <a:sym typeface="Georgia"/>
-              </a:rPr>
-              <a:t>developped</a:t>
+              <a:t>Some features to add, to improve</a:t>
             </a:r>
             <a:endParaRPr lang="en-US" dirty="0" smtClean="0">
               <a:sym typeface="Georgia"/>
@@ -24341,26 +24339,9 @@
           <a:lstStyle/>
           <a:p>
             <a:r>
-              <a:rPr lang="fr-FR" dirty="0" err="1" smtClean="0"/>
-              <a:t>Improve</a:t>
-            </a:r>
-            <a:r>
-              <a:rPr lang="fr-FR" dirty="0" smtClean="0"/>
-              <a:t> the </a:t>
-            </a:r>
-            <a:r>
-              <a:rPr lang="fr-FR" dirty="0" err="1" smtClean="0"/>
-              <a:t>behavior</a:t>
-            </a:r>
-            <a:r>
-              <a:rPr lang="fr-FR" dirty="0" smtClean="0"/>
-              <a:t> of the </a:t>
-            </a:r>
-            <a:r>
-              <a:rPr lang="fr-FR" dirty="0" err="1" smtClean="0"/>
-              <a:t>process</a:t>
-            </a:r>
-            <a:endParaRPr lang="fr-FR" dirty="0"/>
+              <a:rPr lang="en-US" dirty="0" smtClean="0"/>
+              <a:t>Improve the behavior of the process</a:t>
+            </a:r>
           </a:p>
           <a:p>
             <a:pPr lvl="1"/>
@@ -24423,26 +24404,11 @@
           <a:p>
             <a:pPr lvl="1"/>
             <a:r>
-              <a:rPr lang="en-US" dirty="0">
-                <a:sym typeface="Georgia"/>
-              </a:rPr>
-              <a:t>Consider </a:t>
-            </a:r>
-            <a:r>
               <a:rPr lang="en-US" dirty="0" smtClean="0">
                 <a:sym typeface="Georgia"/>
               </a:rPr>
-              <a:t>above </a:t>
-            </a:r>
-            <a:r>
-              <a:rPr lang="en-US" dirty="0" err="1" smtClean="0">
-                <a:sym typeface="Georgia"/>
-              </a:rPr>
-              <a:t>changements</a:t>
-            </a:r>
-            <a:endParaRPr lang="en-US" dirty="0" smtClean="0">
-              <a:sym typeface="Georgia"/>
-            </a:endParaRPr>
+              <a:t>Consider above changes</a:t>
+            </a:r>
           </a:p>
           <a:p>
             <a:pPr lvl="1"/>
@@ -24569,10 +24535,10 @@
               <a:t>Add and modify user’s </a:t>
             </a:r>
             <a:r>
-              <a:rPr lang="en-US" dirty="0" err="1">
+              <a:rPr lang="en-US" dirty="0" smtClean="0">
                 <a:sym typeface="Georgia"/>
               </a:rPr>
-              <a:t>informations</a:t>
+              <a:t>information</a:t>
             </a:r>
             <a:endParaRPr lang="en-US" dirty="0">
               <a:sym typeface="Georgia"/>
@@ -24645,16 +24611,28 @@
               <a:t>Evolution of </a:t>
             </a:r>
             <a:r>
+              <a:rPr lang="en-US" dirty="0" err="1">
+                <a:sym typeface="Georgia"/>
+              </a:rPr>
+              <a:t>e</a:t>
+            </a:r>
+            <a:r>
               <a:rPr lang="en-US" dirty="0" err="1" smtClean="0">
                 <a:sym typeface="Georgia"/>
               </a:rPr>
-              <a:t>english</a:t>
+              <a:t>nglish</a:t>
             </a:r>
             <a:r>
               <a:rPr lang="en-US" dirty="0" smtClean="0">
                 <a:sym typeface="Georgia"/>
               </a:rPr>
-              <a:t> level</a:t>
+              <a:t> </a:t>
+            </a:r>
+            <a:r>
+              <a:rPr lang="en-US" dirty="0" smtClean="0">
+                <a:sym typeface="Georgia"/>
+              </a:rPr>
+              <a:t>level</a:t>
             </a:r>
           </a:p>
           <a:p>
@@ -25767,10 +25745,10 @@
               <a:t>Missing </a:t>
             </a:r>
             <a:r>
-              <a:rPr lang="en-US" dirty="0" err="1" smtClean="0">
+              <a:rPr lang="en-US" dirty="0" smtClean="0">
                 <a:sym typeface="Georgia"/>
               </a:rPr>
-              <a:t>informations</a:t>
+              <a:t>information</a:t>
             </a:r>
             <a:endParaRPr lang="en-US" dirty="0" smtClean="0">
               <a:sym typeface="Georgia"/>
@@ -25852,15 +25830,7 @@
             <a:pPr lvl="1"/>
             <a:r>
               <a:rPr lang="en-US" dirty="0" smtClean="0"/>
-              <a:t>Opportunity to </a:t>
-            </a:r>
-            <a:r>
-              <a:rPr lang="en-US" dirty="0" smtClean="0"/>
-              <a:t>develop </a:t>
-            </a:r>
-            <a:r>
-              <a:rPr lang="en-US" dirty="0" smtClean="0"/>
-              <a:t>an interesting software</a:t>
+              <a:t>Opportunity to develop an interesting software</a:t>
             </a:r>
           </a:p>
           <a:p>
@@ -27885,13 +27855,7 @@
               <a:rPr lang="en-US" dirty="0" smtClean="0">
                 <a:sym typeface="Georgia"/>
               </a:rPr>
-              <a:t>Now</a:t>
-            </a:r>
-            <a:r>
-              <a:rPr lang="en-US" dirty="0" smtClean="0">
-                <a:sym typeface="Georgia"/>
-              </a:rPr>
-              <a:t>, let move onto the demonstration of our game</a:t>
+              <a:t>Now, let move onto the demonstration of our game</a:t>
             </a:r>
             <a:endParaRPr lang="en-US" dirty="0">
               <a:sym typeface="Georgia"/>
@@ -28221,7 +28185,7 @@
   <a:extraClrSchemeLst/>
   <a:extLst>
     <a:ext uri="{05A4C25C-085E-4340-85A3-A5531E510DB2}">
-      <thm15:themeFamily xmlns:thm15="http://schemas.microsoft.com/office/thememl/2012/main" name="Facet" id="{C0C680CD-088A-49FC-A102-D699147F32B2}" vid="{0B5AB586-D108-4FC1-8368-649FE654B894}"/>
+      <thm15:themeFamily xmlns:thm15="http://schemas.microsoft.com/office/thememl/2012/main" xmlns="" name="Facet" id="{C0C680CD-088A-49FC-A102-D699147F32B2}" vid="{0B5AB586-D108-4FC1-8368-649FE654B894}"/>
     </a:ext>
   </a:extLst>
 </a:theme>
@@ -28761,7 +28725,7 @@
   <a:extraClrSchemeLst/>
   <a:extLst>
     <a:ext uri="{05A4C25C-085E-4340-85A3-A5531E510DB2}">
-      <thm15:themeFamily xmlns:thm15="http://schemas.microsoft.com/office/thememl/2012/main" name="Office Theme" id="{62F939B6-93AF-4DB8-9C6B-D6C7DFDC589F}" vid="{4A3C46E8-61CC-4603-A589-7422A47A8E4A}"/>
+      <thm15:themeFamily xmlns:thm15="http://schemas.microsoft.com/office/thememl/2012/main" xmlns="" name="Office Theme" id="{62F939B6-93AF-4DB8-9C6B-D6C7DFDC589F}" vid="{4A3C46E8-61CC-4603-A589-7422A47A8E4A}"/>
     </a:ext>
   </a:extLst>
 </a:theme>

--- a/English_project.pptx
+++ b/English_project.pptx
@@ -5,28 +5,29 @@
     <p:sldMasterId id="2147483834" r:id="rId1"/>
   </p:sldMasterIdLst>
   <p:notesMasterIdLst>
-    <p:notesMasterId r:id="rId18"/>
+    <p:notesMasterId r:id="rId19"/>
   </p:notesMasterIdLst>
   <p:handoutMasterIdLst>
-    <p:handoutMasterId r:id="rId19"/>
+    <p:handoutMasterId r:id="rId20"/>
   </p:handoutMasterIdLst>
   <p:sldIdLst>
     <p:sldId id="256" r:id="rId2"/>
     <p:sldId id="257" r:id="rId3"/>
     <p:sldId id="258" r:id="rId4"/>
     <p:sldId id="271" r:id="rId5"/>
-    <p:sldId id="260" r:id="rId6"/>
-    <p:sldId id="269" r:id="rId7"/>
-    <p:sldId id="270" r:id="rId8"/>
-    <p:sldId id="272" r:id="rId9"/>
-    <p:sldId id="262" r:id="rId10"/>
-    <p:sldId id="263" r:id="rId11"/>
-    <p:sldId id="264" r:id="rId12"/>
-    <p:sldId id="265" r:id="rId13"/>
-    <p:sldId id="273" r:id="rId14"/>
-    <p:sldId id="266" r:id="rId15"/>
-    <p:sldId id="267" r:id="rId16"/>
-    <p:sldId id="268" r:id="rId17"/>
+    <p:sldId id="274" r:id="rId6"/>
+    <p:sldId id="260" r:id="rId7"/>
+    <p:sldId id="269" r:id="rId8"/>
+    <p:sldId id="270" r:id="rId9"/>
+    <p:sldId id="272" r:id="rId10"/>
+    <p:sldId id="262" r:id="rId11"/>
+    <p:sldId id="263" r:id="rId12"/>
+    <p:sldId id="264" r:id="rId13"/>
+    <p:sldId id="265" r:id="rId14"/>
+    <p:sldId id="273" r:id="rId15"/>
+    <p:sldId id="266" r:id="rId16"/>
+    <p:sldId id="267" r:id="rId17"/>
+    <p:sldId id="268" r:id="rId18"/>
   </p:sldIdLst>
   <p:sldSz cx="9144000" cy="6858000" type="screen4x3"/>
   <p:notesSz cx="6858000" cy="9144000"/>
@@ -243,7 +244,7 @@
   </p:defaultTextStyle>
   <p:extLst>
     <p:ext uri="{EFAFB233-063F-42B5-8137-9DF3F51BA10A}">
-      <p15:sldGuideLst xmlns:p15="http://schemas.microsoft.com/office/powerpoint/2012/main">
+      <p15:sldGuideLst xmlns="" xmlns:p15="http://schemas.microsoft.com/office/powerpoint/2012/main">
         <p15:guide id="1" orient="horz" pos="2160">
           <p15:clr>
             <a:srgbClr val="A4A3A4"/>
@@ -257,7 +258,7 @@
       </p15:sldGuideLst>
     </p:ext>
     <p:ext uri="{2D200454-40CA-4A62-9FC3-DE9A4176ACB9}">
-      <p15:notesGuideLst xmlns:p15="http://schemas.microsoft.com/office/powerpoint/2012/main"/>
+      <p15:notesGuideLst xmlns="" xmlns:p15="http://schemas.microsoft.com/office/powerpoint/2012/main"/>
     </p:ext>
   </p:extLst>
 </p:presentation>
@@ -3346,7 +3347,7 @@
         <a:p>
           <a:r>
             <a:rPr lang="fr-FR" sz="1100" dirty="0" smtClean="0"/>
-            <a:t>Informations</a:t>
+            <a:t>Information</a:t>
           </a:r>
           <a:endParaRPr lang="fr-FR" sz="1100" dirty="0"/>
         </a:p>
@@ -3811,11 +3812,7 @@
           </a:r>
           <a:r>
             <a:rPr lang="fr-FR" dirty="0" smtClean="0"/>
-            <a:t> </a:t>
-          </a:r>
-          <a:r>
-            <a:rPr lang="fr-FR" dirty="0" smtClean="0"/>
-            <a:t>the </a:t>
+            <a:t> the </a:t>
           </a:r>
           <a:r>
             <a:rPr lang="fr-FR" dirty="0" err="1" smtClean="0"/>
@@ -3967,7 +3964,7 @@
         <a:p>
           <a:r>
             <a:rPr lang="fr-FR" dirty="0" smtClean="0"/>
-            <a:t>Informations</a:t>
+            <a:t>Information</a:t>
           </a:r>
           <a:endParaRPr lang="fr-FR" dirty="0"/>
         </a:p>
@@ -5182,7 +5179,7 @@
           </a:pPr>
           <a:r>
             <a:rPr lang="fr-FR" sz="1100" kern="1200" dirty="0" smtClean="0"/>
-            <a:t>Informations</a:t>
+            <a:t>Information</a:t>
           </a:r>
           <a:endParaRPr lang="fr-FR" sz="1100" kern="1200" dirty="0"/>
         </a:p>
@@ -5560,12 +5557,12 @@
         <a:fontRef idx="minor"/>
       </dsp:style>
       <dsp:txBody>
-        <a:bodyPr spcFirstLastPara="0" vert="horz" wrap="square" lIns="72390" tIns="72390" rIns="72390" bIns="72390" numCol="1" spcCol="1270" anchor="ctr" anchorCtr="0">
+        <a:bodyPr spcFirstLastPara="0" vert="horz" wrap="square" lIns="80010" tIns="80010" rIns="80010" bIns="80010" numCol="1" spcCol="1270" anchor="ctr" anchorCtr="0">
           <a:noAutofit/>
         </a:bodyPr>
         <a:lstStyle/>
         <a:p>
-          <a:pPr marL="114300" lvl="1" indent="-114300" algn="l" defTabSz="666750">
+          <a:pPr marL="171450" lvl="1" indent="-171450" algn="l" defTabSz="711200">
             <a:lnSpc>
               <a:spcPct val="90000"/>
             </a:lnSpc>
@@ -5578,13 +5575,13 @@
             <a:buChar char="••"/>
           </a:pPr>
           <a:r>
-            <a:rPr lang="fr-FR" sz="1500" kern="1200" dirty="0" smtClean="0"/>
+            <a:rPr lang="fr-FR" sz="1600" kern="1200" dirty="0" smtClean="0"/>
             <a:t>Music</a:t>
           </a:r>
-          <a:endParaRPr lang="fr-FR" sz="1500" kern="1200" dirty="0"/>
+          <a:endParaRPr lang="fr-FR" sz="1600" kern="1200" dirty="0"/>
         </a:p>
         <a:p>
-          <a:pPr marL="114300" lvl="1" indent="-114300" algn="l" defTabSz="666750">
+          <a:pPr marL="171450" lvl="1" indent="-171450" algn="l" defTabSz="711200">
             <a:lnSpc>
               <a:spcPct val="90000"/>
             </a:lnSpc>
@@ -5597,13 +5594,13 @@
             <a:buChar char="••"/>
           </a:pPr>
           <a:r>
-            <a:rPr lang="fr-FR" sz="1500" kern="1200" dirty="0" smtClean="0"/>
+            <a:rPr lang="fr-FR" sz="1600" kern="1200" dirty="0" smtClean="0"/>
             <a:t>Lyrics</a:t>
           </a:r>
-          <a:endParaRPr lang="fr-FR" sz="1500" kern="1200" dirty="0"/>
+          <a:endParaRPr lang="fr-FR" sz="1600" kern="1200" dirty="0"/>
         </a:p>
         <a:p>
-          <a:pPr marL="114300" lvl="1" indent="-114300" algn="l" defTabSz="666750">
+          <a:pPr marL="171450" lvl="1" indent="-171450" algn="l" defTabSz="711200">
             <a:lnSpc>
               <a:spcPct val="90000"/>
             </a:lnSpc>
@@ -5616,10 +5613,10 @@
             <a:buChar char="••"/>
           </a:pPr>
           <a:r>
-            <a:rPr lang="fr-FR" sz="1500" kern="1200" dirty="0" smtClean="0"/>
-            <a:t>Informations</a:t>
+            <a:rPr lang="fr-FR" sz="1600" kern="1200" dirty="0" smtClean="0"/>
+            <a:t>Information</a:t>
           </a:r>
-          <a:endParaRPr lang="fr-FR" sz="1500" kern="1200" dirty="0"/>
+          <a:endParaRPr lang="fr-FR" sz="1600" kern="1200" dirty="0"/>
         </a:p>
       </dsp:txBody>
       <dsp:txXfrm>
@@ -5784,12 +5781,12 @@
         <a:fontRef idx="minor"/>
       </dsp:style>
       <dsp:txBody>
-        <a:bodyPr spcFirstLastPara="0" vert="horz" wrap="square" lIns="72390" tIns="72390" rIns="72390" bIns="72390" numCol="1" spcCol="1270" anchor="ctr" anchorCtr="0">
+        <a:bodyPr spcFirstLastPara="0" vert="horz" wrap="square" lIns="80010" tIns="80010" rIns="80010" bIns="80010" numCol="1" spcCol="1270" anchor="ctr" anchorCtr="0">
           <a:noAutofit/>
         </a:bodyPr>
         <a:lstStyle/>
         <a:p>
-          <a:pPr marL="114300" lvl="1" indent="-114300" algn="l" defTabSz="666750">
+          <a:pPr marL="171450" lvl="1" indent="-171450" algn="l" defTabSz="711200">
             <a:lnSpc>
               <a:spcPct val="90000"/>
             </a:lnSpc>
@@ -5802,25 +5799,21 @@
             <a:buChar char="••"/>
           </a:pPr>
           <a:r>
-            <a:rPr lang="fr-FR" sz="1500" kern="1200" dirty="0" err="1" smtClean="0"/>
+            <a:rPr lang="fr-FR" sz="1600" kern="1200" dirty="0" err="1" smtClean="0"/>
             <a:t>Hide</a:t>
           </a:r>
           <a:r>
-            <a:rPr lang="fr-FR" sz="1500" kern="1200" dirty="0" smtClean="0"/>
-            <a:t> </a:t>
+            <a:rPr lang="fr-FR" sz="1600" kern="1200" dirty="0" smtClean="0"/>
+            <a:t> the </a:t>
           </a:r>
           <a:r>
-            <a:rPr lang="fr-FR" sz="1500" kern="1200" dirty="0" smtClean="0"/>
-            <a:t>the </a:t>
-          </a:r>
-          <a:r>
-            <a:rPr lang="fr-FR" sz="1500" kern="1200" dirty="0" err="1" smtClean="0"/>
+            <a:rPr lang="fr-FR" sz="1600" kern="1200" dirty="0" err="1" smtClean="0"/>
             <a:t>words</a:t>
           </a:r>
-          <a:endParaRPr lang="fr-FR" sz="1500" kern="1200" dirty="0"/>
+          <a:endParaRPr lang="fr-FR" sz="1600" kern="1200" dirty="0"/>
         </a:p>
         <a:p>
-          <a:pPr marL="114300" lvl="1" indent="-114300" algn="l" defTabSz="666750">
+          <a:pPr marL="171450" lvl="1" indent="-171450" algn="l" defTabSz="711200">
             <a:lnSpc>
               <a:spcPct val="90000"/>
             </a:lnSpc>
@@ -5833,10 +5826,10 @@
             <a:buChar char="••"/>
           </a:pPr>
           <a:r>
-            <a:rPr lang="fr-FR" sz="1500" kern="1200" dirty="0" err="1" smtClean="0"/>
+            <a:rPr lang="fr-FR" sz="1600" kern="1200" dirty="0" err="1" smtClean="0"/>
             <a:t>Gameplay</a:t>
           </a:r>
-          <a:endParaRPr lang="fr-FR" sz="1500" kern="1200" dirty="0"/>
+          <a:endParaRPr lang="fr-FR" sz="1600" kern="1200" dirty="0"/>
         </a:p>
       </dsp:txBody>
       <dsp:txXfrm>
@@ -14915,7 +14908,7 @@
               </a:spcBef>
               <a:buNone/>
             </a:pPr>
-            <a:endParaRPr/>
+            <a:endParaRPr dirty="0"/>
           </a:p>
         </p:txBody>
       </p:sp>
@@ -24095,6 +24088,184 @@
   <p:cSld>
     <p:spTree>
       <p:nvGrpSpPr>
+        <p:cNvPr id="1" name="Shape 202"/>
+        <p:cNvGrpSpPr/>
+        <p:nvPr/>
+      </p:nvGrpSpPr>
+      <p:grpSpPr>
+        <a:xfrm>
+          <a:off x="0" y="0"/>
+          <a:ext cx="0" cy="0"/>
+          <a:chOff x="0" y="0"/>
+          <a:chExt cx="0" cy="0"/>
+        </a:xfrm>
+      </p:grpSpPr>
+      <p:sp>
+        <p:nvSpPr>
+          <p:cNvPr id="204" name="Shape 204"/>
+          <p:cNvSpPr txBox="1">
+            <a:spLocks noGrp="1"/>
+          </p:cNvSpPr>
+          <p:nvPr>
+            <p:ph idx="1"/>
+          </p:nvPr>
+        </p:nvSpPr>
+        <p:spPr>
+          <a:xfrm>
+            <a:off x="609599" y="2150316"/>
+            <a:ext cx="6347714" cy="3880773"/>
+          </a:xfrm>
+        </p:spPr>
+        <p:txBody>
+          <a:bodyPr>
+            <a:normAutofit/>
+          </a:bodyPr>
+          <a:lstStyle/>
+          <a:p>
+            <a:pPr lvl="0"/>
+            <a:endParaRPr lang="en-US" dirty="0" smtClean="0">
+              <a:sym typeface="Georgia"/>
+            </a:endParaRPr>
+          </a:p>
+          <a:p>
+            <a:pPr lvl="0"/>
+            <a:r>
+              <a:rPr lang="en-US" dirty="0" smtClean="0">
+                <a:sym typeface="Georgia"/>
+              </a:rPr>
+              <a:t>Compute a score </a:t>
+            </a:r>
+          </a:p>
+          <a:p>
+            <a:pPr marL="0" lvl="0" indent="0">
+              <a:buNone/>
+            </a:pPr>
+            <a:endParaRPr lang="en-US" dirty="0" smtClean="0">
+              <a:sym typeface="Georgia"/>
+            </a:endParaRPr>
+          </a:p>
+          <a:p>
+            <a:pPr lvl="0"/>
+            <a:r>
+              <a:rPr lang="en-US" dirty="0" smtClean="0">
+                <a:sym typeface="Georgia"/>
+              </a:rPr>
+              <a:t>Ranking : </a:t>
+            </a:r>
+          </a:p>
+          <a:p>
+            <a:pPr lvl="1"/>
+            <a:r>
+              <a:rPr lang="en-US" dirty="0" smtClean="0">
+                <a:sym typeface="Georgia"/>
+              </a:rPr>
+              <a:t>Personal : player best result </a:t>
+            </a:r>
+          </a:p>
+          <a:p>
+            <a:pPr lvl="1"/>
+            <a:r>
+              <a:rPr lang="en-US" dirty="0" smtClean="0">
+                <a:sym typeface="Georgia"/>
+              </a:rPr>
+              <a:t>Global :  ladder on each track</a:t>
+            </a:r>
+          </a:p>
+          <a:p>
+            <a:pPr lvl="0"/>
+            <a:endParaRPr lang="en-US" dirty="0" smtClean="0">
+              <a:sym typeface="Georgia"/>
+            </a:endParaRPr>
+          </a:p>
+          <a:p>
+            <a:r>
+              <a:rPr lang="en-US" dirty="0" smtClean="0">
+                <a:sym typeface="Georgia"/>
+              </a:rPr>
+              <a:t>Now, let move onto the demonstration of our game</a:t>
+            </a:r>
+            <a:endParaRPr lang="en-US" dirty="0">
+              <a:sym typeface="Georgia"/>
+            </a:endParaRPr>
+          </a:p>
+        </p:txBody>
+      </p:sp>
+      <p:sp>
+        <p:nvSpPr>
+          <p:cNvPr id="10" name="Espace réservé du contenu 9"/>
+          <p:cNvSpPr>
+            <a:spLocks noGrp="1"/>
+          </p:cNvSpPr>
+          <p:nvPr>
+            <p:ph sz="quarter" idx="13"/>
+          </p:nvPr>
+        </p:nvSpPr>
+        <p:spPr/>
+        <p:txBody>
+          <a:bodyPr/>
+          <a:lstStyle/>
+          <a:p>
+            <a:r>
+              <a:rPr lang="fr-FR" dirty="0" smtClean="0"/>
+              <a:t>Feedback</a:t>
+            </a:r>
+            <a:endParaRPr lang="fr-FR" dirty="0"/>
+          </a:p>
+        </p:txBody>
+      </p:sp>
+      <p:sp>
+        <p:nvSpPr>
+          <p:cNvPr id="203" name="Shape 203"/>
+          <p:cNvSpPr txBox="1">
+            <a:spLocks noGrp="1"/>
+          </p:cNvSpPr>
+          <p:nvPr>
+            <p:ph type="title"/>
+          </p:nvPr>
+        </p:nvSpPr>
+        <p:spPr/>
+        <p:txBody>
+          <a:bodyPr>
+            <a:normAutofit fontScale="90000"/>
+          </a:bodyPr>
+          <a:lstStyle/>
+          <a:p>
+            <a:pPr lvl="0"/>
+            <a:r>
+              <a:rPr lang="en-US" dirty="0" smtClean="0">
+                <a:sym typeface="Georgia"/>
+              </a:rPr>
+              <a:t>Conception</a:t>
+            </a:r>
+            <a:endParaRPr lang="en-US" dirty="0">
+              <a:sym typeface="Georgia"/>
+            </a:endParaRPr>
+          </a:p>
+        </p:txBody>
+      </p:sp>
+    </p:spTree>
+  </p:cSld>
+  <p:clrMapOvr>
+    <a:masterClrMapping/>
+  </p:clrMapOvr>
+  <p:transition spd="slow">
+    <p:cut/>
+  </p:transition>
+  <p:timing>
+    <p:tnLst>
+      <p:par>
+        <p:cTn id="1" dur="indefinite" restart="never" nodeType="tmRoot"/>
+      </p:par>
+    </p:tnLst>
+  </p:timing>
+</p:sld>
+</file>
+
+<file path=ppt/slides/slide11.xml><?xml version="1.0" encoding="utf-8"?>
+<p:sld xmlns:a="http://schemas.openxmlformats.org/drawingml/2006/main" xmlns:r="http://schemas.openxmlformats.org/officeDocument/2006/relationships" xmlns:p="http://schemas.openxmlformats.org/presentationml/2006/main">
+  <p:cSld>
+    <p:spTree>
+      <p:nvGrpSpPr>
         <p:cNvPr id="1" name="Shape 209"/>
         <p:cNvGrpSpPr/>
         <p:nvPr/>
@@ -24142,19 +24313,7 @@
               <a:rPr lang="en-US" dirty="0" smtClean="0">
                 <a:sym typeface="Georgia"/>
               </a:rPr>
-              <a:t>Improve your </a:t>
-            </a:r>
-            <a:r>
-              <a:rPr lang="en-US" dirty="0" err="1" smtClean="0">
-                <a:sym typeface="Georgia"/>
-              </a:rPr>
-              <a:t>english</a:t>
-            </a:r>
-            <a:r>
-              <a:rPr lang="en-US" dirty="0" smtClean="0">
-                <a:sym typeface="Georgia"/>
-              </a:rPr>
-              <a:t> by listening to music</a:t>
+              <a:t>Improve your English by listening to music</a:t>
             </a:r>
           </a:p>
           <a:p>
@@ -24181,17 +24340,8 @@
               <a:rPr lang="en-US" dirty="0" smtClean="0">
                 <a:sym typeface="Georgia"/>
               </a:rPr>
-              <a:t>New features can be </a:t>
-            </a:r>
-            <a:r>
-              <a:rPr lang="en-US" dirty="0" err="1" smtClean="0">
-                <a:sym typeface="Georgia"/>
-              </a:rPr>
-              <a:t>developped</a:t>
-            </a:r>
-            <a:endParaRPr lang="en-US" dirty="0" smtClean="0">
-              <a:sym typeface="Georgia"/>
-            </a:endParaRPr>
+              <a:t>New features can be developed</a:t>
+            </a:r>
           </a:p>
           <a:p>
             <a:pPr lvl="1"/>
@@ -24308,7 +24458,7 @@
 </p:sld>
 </file>
 
-<file path=ppt/slides/slide11.xml><?xml version="1.0" encoding="utf-8"?>
+<file path=ppt/slides/slide12.xml><?xml version="1.0" encoding="utf-8"?>
 <p:sld xmlns:a="http://schemas.openxmlformats.org/drawingml/2006/main" xmlns:r="http://schemas.openxmlformats.org/officeDocument/2006/relationships" xmlns:p="http://schemas.openxmlformats.org/presentationml/2006/main">
   <p:cSld>
     <p:spTree>
@@ -24341,8 +24491,12 @@
           <a:lstStyle/>
           <a:p>
             <a:r>
+              <a:rPr lang="fr-FR" dirty="0" smtClean="0"/>
+              <a:t>To </a:t>
+            </a:r>
+            <a:r>
               <a:rPr lang="fr-FR" dirty="0" err="1" smtClean="0"/>
-              <a:t>Improve</a:t>
+              <a:t>improve</a:t>
             </a:r>
             <a:r>
               <a:rPr lang="fr-FR" dirty="0" smtClean="0"/>
@@ -24417,7 +24571,7 @@
               <a:rPr lang="en-US" dirty="0" smtClean="0">
                 <a:sym typeface="Georgia"/>
               </a:rPr>
-              <a:t>Improve score compute</a:t>
+              <a:t>To improve the score compute</a:t>
             </a:r>
           </a:p>
           <a:p>
@@ -24432,17 +24586,8 @@
               <a:rPr lang="en-US" dirty="0" smtClean="0">
                 <a:sym typeface="Georgia"/>
               </a:rPr>
-              <a:t>above </a:t>
-            </a:r>
-            <a:r>
-              <a:rPr lang="en-US" dirty="0" err="1" smtClean="0">
-                <a:sym typeface="Georgia"/>
-              </a:rPr>
-              <a:t>changements</a:t>
-            </a:r>
-            <a:endParaRPr lang="en-US" dirty="0" smtClean="0">
-              <a:sym typeface="Georgia"/>
-            </a:endParaRPr>
+              <a:t>above changes</a:t>
+            </a:r>
           </a:p>
           <a:p>
             <a:pPr lvl="1"/>
@@ -24529,7 +24674,7 @@
 </p:sld>
 </file>
 
-<file path=ppt/slides/slide12.xml><?xml version="1.0" encoding="utf-8"?>
+<file path=ppt/slides/slide13.xml><?xml version="1.0" encoding="utf-8"?>
 <p:sld xmlns:a="http://schemas.openxmlformats.org/drawingml/2006/main" xmlns:r="http://schemas.openxmlformats.org/officeDocument/2006/relationships" xmlns:p="http://schemas.openxmlformats.org/presentationml/2006/main">
   <p:cSld>
     <p:spTree>
@@ -24569,10 +24714,10 @@
               <a:t>Add and modify user’s </a:t>
             </a:r>
             <a:r>
-              <a:rPr lang="en-US" dirty="0" err="1">
+              <a:rPr lang="en-US" dirty="0" smtClean="0">
                 <a:sym typeface="Georgia"/>
               </a:rPr>
-              <a:t>informations</a:t>
+              <a:t>information</a:t>
             </a:r>
             <a:endParaRPr lang="en-US" dirty="0">
               <a:sym typeface="Georgia"/>
@@ -24642,19 +24787,7 @@
               <a:rPr lang="en-US" dirty="0" smtClean="0">
                 <a:sym typeface="Georgia"/>
               </a:rPr>
-              <a:t>Evolution of </a:t>
-            </a:r>
-            <a:r>
-              <a:rPr lang="en-US" dirty="0" err="1" smtClean="0">
-                <a:sym typeface="Georgia"/>
-              </a:rPr>
-              <a:t>english</a:t>
-            </a:r>
-            <a:r>
-              <a:rPr lang="en-US" dirty="0" smtClean="0">
-                <a:sym typeface="Georgia"/>
-              </a:rPr>
-              <a:t> level</a:t>
+              <a:t>Evolution of English level</a:t>
             </a:r>
           </a:p>
           <a:p>
@@ -24696,7 +24829,7 @@
             </a:r>
             <a:r>
               <a:rPr lang="fr-FR" b="0" i="0" dirty="0" smtClean="0"/>
-              <a:t> informations</a:t>
+              <a:t> information</a:t>
             </a:r>
             <a:endParaRPr lang="fr-FR" b="0" i="0" dirty="0"/>
           </a:p>
@@ -24804,7 +24937,7 @@
 </p:sld>
 </file>
 
-<file path=ppt/slides/slide13.xml><?xml version="1.0" encoding="utf-8"?>
+<file path=ppt/slides/slide14.xml><?xml version="1.0" encoding="utf-8"?>
 <p:sld xmlns:a="http://schemas.openxmlformats.org/drawingml/2006/main" xmlns:r="http://schemas.openxmlformats.org/officeDocument/2006/relationships" xmlns:p="http://schemas.openxmlformats.org/presentationml/2006/main">
   <p:cSld>
     <p:spTree>
@@ -24971,7 +25104,7 @@
 </p:sld>
 </file>
 
-<file path=ppt/slides/slide14.xml><?xml version="1.0" encoding="utf-8"?>
+<file path=ppt/slides/slide15.xml><?xml version="1.0" encoding="utf-8"?>
 <p:sld xmlns:a="http://schemas.openxmlformats.org/drawingml/2006/main" xmlns:r="http://schemas.openxmlformats.org/officeDocument/2006/relationships" xmlns:p="http://schemas.openxmlformats.org/presentationml/2006/main">
   <p:cSld>
     <p:spTree>
@@ -25147,7 +25280,7 @@
 </p:sld>
 </file>
 
-<file path=ppt/slides/slide15.xml><?xml version="1.0" encoding="utf-8"?>
+<file path=ppt/slides/slide16.xml><?xml version="1.0" encoding="utf-8"?>
 <p:sld xmlns:a="http://schemas.openxmlformats.org/drawingml/2006/main" xmlns:r="http://schemas.openxmlformats.org/officeDocument/2006/relationships" xmlns:p="http://schemas.openxmlformats.org/presentationml/2006/main">
   <p:cSld>
     <p:spTree>
@@ -25309,7 +25442,7 @@
 </p:sld>
 </file>
 
-<file path=ppt/slides/slide16.xml><?xml version="1.0" encoding="utf-8"?>
+<file path=ppt/slides/slide17.xml><?xml version="1.0" encoding="utf-8"?>
 <p:sld xmlns:a="http://schemas.openxmlformats.org/drawingml/2006/main" xmlns:r="http://schemas.openxmlformats.org/officeDocument/2006/relationships" xmlns:p="http://schemas.openxmlformats.org/presentationml/2006/main">
   <p:cSld>
     <p:spTree>
@@ -25503,19 +25636,7 @@
               <a:rPr lang="en-US" dirty="0" smtClean="0">
                 <a:sym typeface="Georgia"/>
               </a:rPr>
-              <a:t>Software to improve your </a:t>
-            </a:r>
-            <a:r>
-              <a:rPr lang="en-US" dirty="0" err="1" smtClean="0">
-                <a:sym typeface="Georgia"/>
-              </a:rPr>
-              <a:t>english</a:t>
-            </a:r>
-            <a:r>
-              <a:rPr lang="en-US" dirty="0" smtClean="0">
-                <a:sym typeface="Georgia"/>
-              </a:rPr>
-              <a:t> listening</a:t>
+              <a:t>Software to improve your English listening</a:t>
             </a:r>
           </a:p>
           <a:p>
@@ -25536,19 +25657,7 @@
               <a:rPr lang="en-US" dirty="0" smtClean="0">
                 <a:sym typeface="Georgia"/>
               </a:rPr>
-              <a:t>Test your ability to hear distinct </a:t>
-            </a:r>
-            <a:r>
-              <a:rPr lang="en-US" dirty="0" err="1" smtClean="0">
-                <a:sym typeface="Georgia"/>
-              </a:rPr>
-              <a:t>english</a:t>
-            </a:r>
-            <a:r>
-              <a:rPr lang="en-US" dirty="0" smtClean="0">
-                <a:sym typeface="Georgia"/>
-              </a:rPr>
-              <a:t> words</a:t>
+              <a:t>Test your ability to hear distinct English words</a:t>
             </a:r>
           </a:p>
           <a:p>
@@ -25687,7 +25796,7 @@
               <a:rPr lang="en-US" dirty="0" smtClean="0">
                 <a:sym typeface="Georgia"/>
               </a:rPr>
-              <a:t>Definitions</a:t>
+              <a:t>Tools, tasks and definition </a:t>
             </a:r>
           </a:p>
           <a:p>
@@ -25764,17 +25873,8 @@
               <a:rPr lang="en-US" dirty="0" smtClean="0">
                 <a:sym typeface="Georgia"/>
               </a:rPr>
-              <a:t>Missing </a:t>
-            </a:r>
-            <a:r>
-              <a:rPr lang="en-US" dirty="0" err="1" smtClean="0">
-                <a:sym typeface="Georgia"/>
-              </a:rPr>
-              <a:t>informations</a:t>
-            </a:r>
-            <a:endParaRPr lang="en-US" dirty="0" smtClean="0">
-              <a:sym typeface="Georgia"/>
-            </a:endParaRPr>
+              <a:t>Missing information</a:t>
+            </a:r>
           </a:p>
           <a:p>
             <a:pPr lvl="1"/>
@@ -25840,7 +25940,9 @@
         </p:nvSpPr>
         <p:spPr/>
         <p:txBody>
-          <a:bodyPr/>
+          <a:bodyPr>
+            <a:normAutofit/>
+          </a:bodyPr>
           <a:lstStyle/>
           <a:p>
             <a:r>
@@ -25851,30 +25953,47 @@
           <a:p>
             <a:pPr lvl="1"/>
             <a:r>
+              <a:rPr lang="en-US" sz="1400" dirty="0" smtClean="0"/>
+              <a:t>Opportunity to develop an </a:t>
+            </a:r>
+            <a:br>
+              <a:rPr lang="en-US" sz="1400" dirty="0" smtClean="0"/>
+            </a:br>
+            <a:r>
+              <a:rPr lang="en-US" sz="1400" dirty="0" smtClean="0"/>
+              <a:t>interesting software</a:t>
+            </a:r>
+          </a:p>
+          <a:p>
+            <a:pPr lvl="1"/>
+            <a:r>
+              <a:rPr lang="en-US" sz="1400" dirty="0" smtClean="0"/>
+              <a:t>Quickly decided to design</a:t>
+            </a:r>
+            <a:br>
+              <a:rPr lang="en-US" sz="1400" dirty="0" smtClean="0"/>
+            </a:br>
+            <a:r>
+              <a:rPr lang="en-US" sz="1400" dirty="0" smtClean="0"/>
+              <a:t>this application </a:t>
+            </a:r>
+          </a:p>
+          <a:p>
+            <a:pPr lvl="1"/>
+            <a:r>
+              <a:rPr lang="en-US" sz="1400" dirty="0" smtClean="0"/>
+              <a:t>matches our current interests :</a:t>
+            </a:r>
+            <a:r>
               <a:rPr lang="en-US" dirty="0" smtClean="0"/>
-              <a:t>Opportunity to </a:t>
-            </a:r>
+              <a:t> </a:t>
+            </a:r>
+          </a:p>
+          <a:p>
+            <a:pPr lvl="2"/>
             <a:r>
               <a:rPr lang="en-US" dirty="0" smtClean="0"/>
-              <a:t>develop </a:t>
-            </a:r>
-            <a:r>
-              <a:rPr lang="en-US" dirty="0" smtClean="0"/>
-              <a:t>an interesting software</a:t>
-            </a:r>
-          </a:p>
-          <a:p>
-            <a:pPr lvl="1"/>
-            <a:r>
-              <a:rPr lang="en-US" dirty="0" smtClean="0"/>
-              <a:t>Quickly decided to design this application </a:t>
-            </a:r>
-          </a:p>
-          <a:p>
-            <a:pPr lvl="1"/>
-            <a:r>
-              <a:rPr lang="en-US" dirty="0" smtClean="0"/>
-              <a:t>matches our current interests : English and music</a:t>
+              <a:t>English and music</a:t>
             </a:r>
           </a:p>
           <a:p>
@@ -25889,26 +26008,26 @@
           <a:p>
             <a:pPr lvl="1"/>
             <a:r>
-              <a:rPr lang="en-US" dirty="0" smtClean="0"/>
+              <a:rPr lang="en-US" sz="1400" dirty="0" smtClean="0"/>
               <a:t>Everyone was able to quickly develop in PHP</a:t>
             </a:r>
           </a:p>
           <a:p>
             <a:pPr lvl="1"/>
             <a:r>
-              <a:rPr lang="en-US" dirty="0" err="1" smtClean="0"/>
+              <a:rPr lang="en-US" sz="1400" dirty="0" err="1" smtClean="0"/>
               <a:t>Flavien</a:t>
             </a:r>
             <a:r>
-              <a:rPr lang="en-US" dirty="0" smtClean="0"/>
+              <a:rPr lang="en-US" sz="1400" dirty="0" smtClean="0"/>
               <a:t> and Gauthier had already used the framework </a:t>
             </a:r>
             <a:r>
-              <a:rPr lang="en-US" dirty="0" err="1" smtClean="0"/>
+              <a:rPr lang="en-US" sz="1400" dirty="0" err="1" smtClean="0"/>
               <a:t>Codeigniter</a:t>
             </a:r>
             <a:r>
-              <a:rPr lang="en-US" dirty="0" smtClean="0"/>
+              <a:rPr lang="en-US" sz="1400" dirty="0" smtClean="0"/>
               <a:t> </a:t>
             </a:r>
           </a:p>
@@ -25975,6 +26094,36 @@
           </a:p>
         </p:txBody>
       </p:sp>
+      <p:pic>
+        <p:nvPicPr>
+          <p:cNvPr id="4" name="Image 3"/>
+          <p:cNvPicPr>
+            <a:picLocks noChangeAspect="1"/>
+          </p:cNvPicPr>
+          <p:nvPr/>
+        </p:nvPicPr>
+        <p:blipFill>
+          <a:blip r:embed="rId2">
+            <a:extLst>
+              <a:ext uri="{28A0092B-C50C-407E-A947-70E740481C1C}">
+                <a14:useLocalDpi xmlns:a14="http://schemas.microsoft.com/office/drawing/2010/main" val="0"/>
+              </a:ext>
+            </a:extLst>
+          </a:blip>
+          <a:stretch>
+            <a:fillRect/>
+          </a:stretch>
+        </p:blipFill>
+        <p:spPr>
+          <a:xfrm>
+            <a:off x="4279231" y="2197205"/>
+            <a:ext cx="2727158" cy="2413535"/>
+          </a:xfrm>
+          <a:prstGeom prst="rect">
+            <a:avLst/>
+          </a:prstGeom>
+        </p:spPr>
+      </p:pic>
     </p:spTree>
     <p:extLst>
       <p:ext uri="{BB962C8B-B14F-4D97-AF65-F5344CB8AC3E}">
@@ -25996,6 +26145,237 @@
 </file>
 
 <file path=ppt/slides/slide5.xml><?xml version="1.0" encoding="utf-8"?>
+<p:sld xmlns:a="http://schemas.openxmlformats.org/drawingml/2006/main" xmlns:r="http://schemas.openxmlformats.org/officeDocument/2006/relationships" xmlns:p="http://schemas.openxmlformats.org/presentationml/2006/main">
+  <p:cSld>
+    <p:spTree>
+      <p:nvGrpSpPr>
+        <p:cNvPr id="1" name=""/>
+        <p:cNvGrpSpPr/>
+        <p:nvPr/>
+      </p:nvGrpSpPr>
+      <p:grpSpPr>
+        <a:xfrm>
+          <a:off x="0" y="0"/>
+          <a:ext cx="0" cy="0"/>
+          <a:chOff x="0" y="0"/>
+          <a:chExt cx="0" cy="0"/>
+        </a:xfrm>
+      </p:grpSpPr>
+      <p:sp>
+        <p:nvSpPr>
+          <p:cNvPr id="3" name="Espace réservé du contenu 2"/>
+          <p:cNvSpPr>
+            <a:spLocks noGrp="1"/>
+          </p:cNvSpPr>
+          <p:nvPr>
+            <p:ph idx="1"/>
+          </p:nvPr>
+        </p:nvSpPr>
+        <p:spPr/>
+        <p:txBody>
+          <a:bodyPr/>
+          <a:lstStyle/>
+          <a:p>
+            <a:pPr fontAlgn="base"/>
+            <a:r>
+              <a:rPr lang="en-US" dirty="0"/>
+              <a:t>The tools</a:t>
+            </a:r>
+          </a:p>
+          <a:p>
+            <a:pPr lvl="1" fontAlgn="base"/>
+            <a:r>
+              <a:rPr lang="en-US" sz="1400" dirty="0" err="1"/>
+              <a:t>CodeIgniter</a:t>
+            </a:r>
+            <a:r>
+              <a:rPr lang="en-US" sz="1400" dirty="0"/>
+              <a:t> : give generic methods</a:t>
+            </a:r>
+          </a:p>
+          <a:p>
+            <a:pPr lvl="1" fontAlgn="base"/>
+            <a:r>
+              <a:rPr lang="en-US" sz="1400" dirty="0"/>
+              <a:t>Spotify API</a:t>
+            </a:r>
+          </a:p>
+          <a:p>
+            <a:pPr lvl="1" fontAlgn="base"/>
+            <a:r>
+              <a:rPr lang="en-US" sz="1400" dirty="0" err="1" smtClean="0"/>
+              <a:t>Etc</a:t>
+            </a:r>
+            <a:endParaRPr lang="en-US" sz="1400" dirty="0" smtClean="0"/>
+          </a:p>
+          <a:p>
+            <a:pPr lvl="1" fontAlgn="base"/>
+            <a:endParaRPr lang="en-US" dirty="0"/>
+          </a:p>
+          <a:p>
+            <a:pPr fontAlgn="base"/>
+            <a:r>
+              <a:rPr lang="en-US" dirty="0" smtClean="0"/>
+              <a:t>Tasks</a:t>
+            </a:r>
+            <a:endParaRPr lang="en-US" dirty="0"/>
+          </a:p>
+          <a:p>
+            <a:pPr lvl="1" fontAlgn="base"/>
+            <a:r>
+              <a:rPr lang="en-US" sz="1400" dirty="0"/>
+              <a:t>Gauthier and me : </a:t>
+            </a:r>
+            <a:r>
+              <a:rPr lang="en-US" sz="1400" dirty="0" smtClean="0"/>
+              <a:t/>
+            </a:r>
+            <a:br>
+              <a:rPr lang="en-US" sz="1400" dirty="0" smtClean="0"/>
+            </a:br>
+            <a:r>
+              <a:rPr lang="en-US" sz="1400" dirty="0" smtClean="0"/>
+              <a:t>Models </a:t>
+            </a:r>
+            <a:r>
+              <a:rPr lang="en-US" sz="1400" dirty="0"/>
+              <a:t>and </a:t>
+            </a:r>
+            <a:r>
+              <a:rPr lang="en-US" sz="1400" dirty="0" smtClean="0"/>
+              <a:t>controllers </a:t>
+            </a:r>
+            <a:r>
+              <a:rPr lang="en-US" sz="1400" dirty="0"/>
+              <a:t>about database</a:t>
+            </a:r>
+          </a:p>
+          <a:p>
+            <a:pPr lvl="1" fontAlgn="base"/>
+            <a:r>
+              <a:rPr lang="en-US" sz="1400" dirty="0"/>
+              <a:t>Terry : methods about the Spotify API</a:t>
+            </a:r>
+          </a:p>
+          <a:p>
+            <a:pPr lvl="1" fontAlgn="base"/>
+            <a:r>
+              <a:rPr lang="en-US" sz="1400" dirty="0"/>
+              <a:t>Views and design</a:t>
+            </a:r>
+          </a:p>
+          <a:p>
+            <a:endParaRPr lang="en-US" dirty="0" smtClean="0"/>
+          </a:p>
+          <a:p>
+            <a:endParaRPr lang="fr-FR" dirty="0"/>
+          </a:p>
+        </p:txBody>
+      </p:sp>
+      <p:sp>
+        <p:nvSpPr>
+          <p:cNvPr id="16" name="Espace réservé du contenu 15"/>
+          <p:cNvSpPr>
+            <a:spLocks noGrp="1"/>
+          </p:cNvSpPr>
+          <p:nvPr>
+            <p:ph sz="quarter" idx="13"/>
+          </p:nvPr>
+        </p:nvSpPr>
+        <p:spPr/>
+        <p:txBody>
+          <a:bodyPr/>
+          <a:lstStyle/>
+          <a:p>
+            <a:pPr marL="0" lvl="1" indent="0">
+              <a:buNone/>
+            </a:pPr>
+            <a:r>
+              <a:rPr lang="en-US" dirty="0" smtClean="0">
+                <a:sym typeface="Georgia"/>
+              </a:rPr>
+              <a:t>Tools and teamwork</a:t>
+            </a:r>
+            <a:endParaRPr lang="fr-FR" dirty="0"/>
+          </a:p>
+        </p:txBody>
+      </p:sp>
+      <p:sp>
+        <p:nvSpPr>
+          <p:cNvPr id="2" name="Titre 1"/>
+          <p:cNvSpPr>
+            <a:spLocks noGrp="1"/>
+          </p:cNvSpPr>
+          <p:nvPr>
+            <p:ph type="title"/>
+          </p:nvPr>
+        </p:nvSpPr>
+        <p:spPr/>
+        <p:txBody>
+          <a:bodyPr>
+            <a:normAutofit fontScale="90000"/>
+          </a:bodyPr>
+          <a:lstStyle/>
+          <a:p>
+            <a:r>
+              <a:rPr lang="fr-FR" smtClean="0"/>
+              <a:t>Analysis</a:t>
+            </a:r>
+            <a:endParaRPr lang="fr-FR" dirty="0"/>
+          </a:p>
+        </p:txBody>
+      </p:sp>
+      <p:pic>
+        <p:nvPicPr>
+          <p:cNvPr id="4" name="Image 3"/>
+          <p:cNvPicPr>
+            <a:picLocks noChangeAspect="1"/>
+          </p:cNvPicPr>
+          <p:nvPr/>
+        </p:nvPicPr>
+        <p:blipFill>
+          <a:blip r:embed="rId2">
+            <a:extLst>
+              <a:ext uri="{28A0092B-C50C-407E-A947-70E740481C1C}">
+                <a14:useLocalDpi xmlns:a14="http://schemas.microsoft.com/office/drawing/2010/main" val="0"/>
+              </a:ext>
+            </a:extLst>
+          </a:blip>
+          <a:stretch>
+            <a:fillRect/>
+          </a:stretch>
+        </p:blipFill>
+        <p:spPr>
+          <a:xfrm>
+            <a:off x="4030495" y="3116179"/>
+            <a:ext cx="3081003" cy="1183105"/>
+          </a:xfrm>
+          <a:prstGeom prst="rect">
+            <a:avLst/>
+          </a:prstGeom>
+        </p:spPr>
+      </p:pic>
+    </p:spTree>
+    <p:extLst>
+      <p:ext uri="{BB962C8B-B14F-4D97-AF65-F5344CB8AC3E}">
+        <p14:creationId xmlns:p14="http://schemas.microsoft.com/office/powerpoint/2010/main" val="3125063757"/>
+      </p:ext>
+    </p:extLst>
+  </p:cSld>
+  <p:clrMapOvr>
+    <a:masterClrMapping/>
+  </p:clrMapOvr>
+  <p:timing>
+    <p:tnLst>
+      <p:par>
+        <p:cTn id="1" dur="indefinite" restart="never" nodeType="tmRoot"/>
+      </p:par>
+    </p:tnLst>
+  </p:timing>
+</p:sld>
+</file>
+
+<file path=ppt/slides/slide6.xml><?xml version="1.0" encoding="utf-8"?>
 <p:sld xmlns:a="http://schemas.openxmlformats.org/drawingml/2006/main" xmlns:r="http://schemas.openxmlformats.org/officeDocument/2006/relationships" xmlns:p="http://schemas.openxmlformats.org/presentationml/2006/main">
   <p:cSld>
     <p:spTree>
@@ -26078,7 +26458,7 @@
               <a:rPr lang="en-US" dirty="0" smtClean="0">
                 <a:sym typeface="Georgia"/>
               </a:rPr>
-              <a:t>Definitions</a:t>
+              <a:t>Definition</a:t>
             </a:r>
             <a:endParaRPr lang="en-US" dirty="0">
               <a:sym typeface="Georgia"/>
@@ -26108,7 +26488,7 @@
           <a:p>
             <a:pPr lvl="0"/>
             <a:r>
-              <a:rPr lang="en-US" smtClean="0">
+              <a:rPr lang="en-US" dirty="0" smtClean="0">
                 <a:sym typeface="Georgia"/>
               </a:rPr>
               <a:t>Analysis</a:t>
@@ -26126,7 +26506,7 @@
           <p:nvPr>
             <p:extLst>
               <p:ext uri="{D42A27DB-BD31-4B8C-83A1-F6EECF244321}">
-                <p14:modId xmlns:p14="http://schemas.microsoft.com/office/powerpoint/2010/main" val="2704654192"/>
+                <p14:modId xmlns:p14="http://schemas.microsoft.com/office/powerpoint/2010/main" val="913611905"/>
               </p:ext>
             </p:extLst>
           </p:nvPr>
@@ -26159,7 +26539,7 @@
 </p:sld>
 </file>
 
-<file path=ppt/slides/slide6.xml><?xml version="1.0" encoding="utf-8"?>
+<file path=ppt/slides/slide7.xml><?xml version="1.0" encoding="utf-8"?>
 <p:sld xmlns:a="http://schemas.openxmlformats.org/drawingml/2006/main" xmlns:r="http://schemas.openxmlformats.org/officeDocument/2006/relationships" xmlns:p="http://schemas.openxmlformats.org/presentationml/2006/main">
   <p:cSld>
     <p:spTree>
@@ -26269,7 +26649,7 @@
           <p:nvPr>
             <p:extLst>
               <p:ext uri="{D42A27DB-BD31-4B8C-83A1-F6EECF244321}">
-                <p14:modId xmlns:p14="http://schemas.microsoft.com/office/powerpoint/2010/main" val="517718254"/>
+                <p14:modId xmlns:p14="http://schemas.microsoft.com/office/powerpoint/2010/main" val="600977432"/>
               </p:ext>
             </p:extLst>
           </p:nvPr>
@@ -26307,7 +26687,7 @@
 </p:sld>
 </file>
 
-<file path=ppt/slides/slide7.xml><?xml version="1.0" encoding="utf-8"?>
+<file path=ppt/slides/slide8.xml><?xml version="1.0" encoding="utf-8"?>
 <p:sld xmlns:a="http://schemas.openxmlformats.org/drawingml/2006/main" xmlns:r="http://schemas.openxmlformats.org/officeDocument/2006/relationships" xmlns:p="http://schemas.openxmlformats.org/presentationml/2006/main">
   <p:cSld>
     <p:spTree>
@@ -26414,7 +26794,7 @@
               <a:rPr lang="en-US" dirty="0" smtClean="0">
                 <a:sym typeface="Georgia"/>
               </a:rPr>
-              <a:t>How we do this ? </a:t>
+              <a:t>How is it done  ? </a:t>
             </a:r>
           </a:p>
         </p:txBody>
@@ -26613,7 +26993,7 @@
 </p:sld>
 </file>
 
-<file path=ppt/slides/slide8.xml><?xml version="1.0" encoding="utf-8"?>
+<file path=ppt/slides/slide9.xml><?xml version="1.0" encoding="utf-8"?>
 <p:sld xmlns:a="http://schemas.openxmlformats.org/drawingml/2006/main" xmlns:r="http://schemas.openxmlformats.org/officeDocument/2006/relationships" xmlns:p="http://schemas.openxmlformats.org/presentationml/2006/main">
   <p:cSld>
     <p:spTree>
@@ -26647,7 +27027,15 @@
           <a:p>
             <a:r>
               <a:rPr lang="en-US" dirty="0"/>
-              <a:t>What we avoid during the process of </a:t>
+              <a:t>What </a:t>
+            </a:r>
+            <a:r>
+              <a:rPr lang="en-US" dirty="0" smtClean="0"/>
+              <a:t>do we avoid </a:t>
+            </a:r>
+            <a:r>
+              <a:rPr lang="en-US" dirty="0"/>
+              <a:t>during the process of </a:t>
             </a:r>
             <a:r>
               <a:rPr lang="en-US" dirty="0" smtClean="0"/>
@@ -26774,7 +27162,7 @@
           <p:nvPr>
             <p:extLst>
               <p:ext uri="{D42A27DB-BD31-4B8C-83A1-F6EECF244321}">
-                <p14:modId xmlns:p14="http://schemas.microsoft.com/office/powerpoint/2010/main" val="1507581448"/>
+                <p14:modId xmlns:p14="http://schemas.microsoft.com/office/powerpoint/2010/main" val="2229192690"/>
               </p:ext>
             </p:extLst>
           </p:nvPr>
@@ -27265,7 +27653,7 @@
                         <a:buNone/>
                       </a:pPr>
                       <a:r>
-                        <a:rPr lang="en-US" sz="1400" kern="1200" dirty="0">
+                        <a:rPr lang="en-US" sz="1400" kern="1200" dirty="0" smtClean="0">
                           <a:solidFill>
                             <a:schemeClr val="tx1">
                               <a:lumMod val="75000"/>
@@ -27276,8 +27664,47 @@
                           <a:ea typeface="+mn-ea"/>
                           <a:cs typeface="+mn-cs"/>
                         </a:rPr>
-                        <a:t>Medium</a:t>
+                        <a:t>Med(</a:t>
                       </a:r>
+                      <a:r>
+                        <a:rPr lang="en-US" sz="1400" kern="1200" dirty="0" err="1" smtClean="0">
+                          <a:solidFill>
+                            <a:schemeClr val="tx1">
+                              <a:lumMod val="75000"/>
+                              <a:lumOff val="25000"/>
+                            </a:schemeClr>
+                          </a:solidFill>
+                          <a:latin typeface="+mn-lt"/>
+                          <a:ea typeface="+mn-ea"/>
+                          <a:cs typeface="+mn-cs"/>
+                        </a:rPr>
+                        <a:t>ium</a:t>
+                      </a:r>
+                      <a:r>
+                        <a:rPr lang="en-US" sz="1400" kern="1200" dirty="0" smtClean="0">
+                          <a:solidFill>
+                            <a:schemeClr val="tx1">
+                              <a:lumMod val="75000"/>
+                              <a:lumOff val="25000"/>
+                            </a:schemeClr>
+                          </a:solidFill>
+                          <a:latin typeface="+mn-lt"/>
+                          <a:ea typeface="+mn-ea"/>
+                          <a:cs typeface="+mn-cs"/>
+                        </a:rPr>
+                        <a:t>)</a:t>
+                      </a:r>
+                      <a:endParaRPr lang="en-US" sz="1400" kern="1200" dirty="0">
+                        <a:solidFill>
+                          <a:schemeClr val="tx1">
+                            <a:lumMod val="75000"/>
+                            <a:lumOff val="25000"/>
+                          </a:schemeClr>
+                        </a:solidFill>
+                        <a:latin typeface="+mn-lt"/>
+                        <a:ea typeface="+mn-ea"/>
+                        <a:cs typeface="+mn-cs"/>
+                      </a:endParaRPr>
                     </a:p>
                   </a:txBody>
                   <a:tcPr marL="91450" marR="91450" marT="45725" marB="45725">
@@ -27786,190 +28213,6 @@
 </p:sld>
 </file>
 
-<file path=ppt/slides/slide9.xml><?xml version="1.0" encoding="utf-8"?>
-<p:sld xmlns:a="http://schemas.openxmlformats.org/drawingml/2006/main" xmlns:r="http://schemas.openxmlformats.org/officeDocument/2006/relationships" xmlns:p="http://schemas.openxmlformats.org/presentationml/2006/main">
-  <p:cSld>
-    <p:spTree>
-      <p:nvGrpSpPr>
-        <p:cNvPr id="1" name="Shape 202"/>
-        <p:cNvGrpSpPr/>
-        <p:nvPr/>
-      </p:nvGrpSpPr>
-      <p:grpSpPr>
-        <a:xfrm>
-          <a:off x="0" y="0"/>
-          <a:ext cx="0" cy="0"/>
-          <a:chOff x="0" y="0"/>
-          <a:chExt cx="0" cy="0"/>
-        </a:xfrm>
-      </p:grpSpPr>
-      <p:sp>
-        <p:nvSpPr>
-          <p:cNvPr id="204" name="Shape 204"/>
-          <p:cNvSpPr txBox="1">
-            <a:spLocks noGrp="1"/>
-          </p:cNvSpPr>
-          <p:nvPr>
-            <p:ph idx="1"/>
-          </p:nvPr>
-        </p:nvSpPr>
-        <p:spPr>
-          <a:xfrm>
-            <a:off x="609599" y="2150316"/>
-            <a:ext cx="6347714" cy="3880773"/>
-          </a:xfrm>
-        </p:spPr>
-        <p:txBody>
-          <a:bodyPr>
-            <a:normAutofit/>
-          </a:bodyPr>
-          <a:lstStyle/>
-          <a:p>
-            <a:pPr lvl="0"/>
-            <a:endParaRPr lang="en-US" dirty="0" smtClean="0">
-              <a:sym typeface="Georgia"/>
-            </a:endParaRPr>
-          </a:p>
-          <a:p>
-            <a:pPr lvl="0"/>
-            <a:r>
-              <a:rPr lang="en-US" dirty="0" smtClean="0">
-                <a:sym typeface="Georgia"/>
-              </a:rPr>
-              <a:t>Compute a score </a:t>
-            </a:r>
-          </a:p>
-          <a:p>
-            <a:pPr marL="0" lvl="0" indent="0">
-              <a:buNone/>
-            </a:pPr>
-            <a:endParaRPr lang="en-US" dirty="0" smtClean="0">
-              <a:sym typeface="Georgia"/>
-            </a:endParaRPr>
-          </a:p>
-          <a:p>
-            <a:pPr lvl="0"/>
-            <a:r>
-              <a:rPr lang="en-US" dirty="0" smtClean="0">
-                <a:sym typeface="Georgia"/>
-              </a:rPr>
-              <a:t>Ranking : </a:t>
-            </a:r>
-          </a:p>
-          <a:p>
-            <a:pPr lvl="1"/>
-            <a:r>
-              <a:rPr lang="en-US" dirty="0" smtClean="0">
-                <a:sym typeface="Georgia"/>
-              </a:rPr>
-              <a:t>Personal : player best result </a:t>
-            </a:r>
-          </a:p>
-          <a:p>
-            <a:pPr lvl="1"/>
-            <a:r>
-              <a:rPr lang="en-US" dirty="0" smtClean="0">
-                <a:sym typeface="Georgia"/>
-              </a:rPr>
-              <a:t>Global :  ladder on each track</a:t>
-            </a:r>
-          </a:p>
-          <a:p>
-            <a:pPr lvl="0"/>
-            <a:endParaRPr lang="en-US" dirty="0" smtClean="0">
-              <a:sym typeface="Georgia"/>
-            </a:endParaRPr>
-          </a:p>
-          <a:p>
-            <a:r>
-              <a:rPr lang="en-US" dirty="0" smtClean="0">
-                <a:sym typeface="Georgia"/>
-              </a:rPr>
-              <a:t>Now</a:t>
-            </a:r>
-            <a:r>
-              <a:rPr lang="en-US" dirty="0" smtClean="0">
-                <a:sym typeface="Georgia"/>
-              </a:rPr>
-              <a:t>, let move onto the demonstration of our game</a:t>
-            </a:r>
-            <a:endParaRPr lang="en-US" dirty="0">
-              <a:sym typeface="Georgia"/>
-            </a:endParaRPr>
-          </a:p>
-        </p:txBody>
-      </p:sp>
-      <p:sp>
-        <p:nvSpPr>
-          <p:cNvPr id="10" name="Espace réservé du contenu 9"/>
-          <p:cNvSpPr>
-            <a:spLocks noGrp="1"/>
-          </p:cNvSpPr>
-          <p:nvPr>
-            <p:ph sz="quarter" idx="13"/>
-          </p:nvPr>
-        </p:nvSpPr>
-        <p:spPr/>
-        <p:txBody>
-          <a:bodyPr/>
-          <a:lstStyle/>
-          <a:p>
-            <a:r>
-              <a:rPr lang="fr-FR" dirty="0" smtClean="0"/>
-              <a:t>Feedback</a:t>
-            </a:r>
-            <a:endParaRPr lang="fr-FR" dirty="0"/>
-          </a:p>
-        </p:txBody>
-      </p:sp>
-      <p:sp>
-        <p:nvSpPr>
-          <p:cNvPr id="203" name="Shape 203"/>
-          <p:cNvSpPr txBox="1">
-            <a:spLocks noGrp="1"/>
-          </p:cNvSpPr>
-          <p:nvPr>
-            <p:ph type="title"/>
-          </p:nvPr>
-        </p:nvSpPr>
-        <p:spPr/>
-        <p:txBody>
-          <a:bodyPr>
-            <a:normAutofit fontScale="90000"/>
-          </a:bodyPr>
-          <a:lstStyle/>
-          <a:p>
-            <a:pPr lvl="0"/>
-            <a:r>
-              <a:rPr lang="en-US" dirty="0" smtClean="0">
-                <a:sym typeface="Georgia"/>
-              </a:rPr>
-              <a:t>Conception</a:t>
-            </a:r>
-            <a:endParaRPr lang="en-US" dirty="0">
-              <a:sym typeface="Georgia"/>
-            </a:endParaRPr>
-          </a:p>
-        </p:txBody>
-      </p:sp>
-    </p:spTree>
-  </p:cSld>
-  <p:clrMapOvr>
-    <a:masterClrMapping/>
-  </p:clrMapOvr>
-  <p:transition spd="slow">
-    <p:cut/>
-  </p:transition>
-  <p:timing>
-    <p:tnLst>
-      <p:par>
-        <p:cTn id="1" dur="indefinite" restart="never" nodeType="tmRoot"/>
-      </p:par>
-    </p:tnLst>
-  </p:timing>
-</p:sld>
-</file>
-
 <file path=ppt/theme/theme1.xml><?xml version="1.0" encoding="utf-8"?>
 <a:theme xmlns:a="http://schemas.openxmlformats.org/drawingml/2006/main" name="Facette">
   <a:themeElements>
@@ -28221,7 +28464,7 @@
   <a:extraClrSchemeLst/>
   <a:extLst>
     <a:ext uri="{05A4C25C-085E-4340-85A3-A5531E510DB2}">
-      <thm15:themeFamily xmlns:thm15="http://schemas.microsoft.com/office/thememl/2012/main" name="Facet" id="{C0C680CD-088A-49FC-A102-D699147F32B2}" vid="{0B5AB586-D108-4FC1-8368-649FE654B894}"/>
+      <thm15:themeFamily xmlns="" xmlns:thm15="http://schemas.microsoft.com/office/thememl/2012/main" name="Facet" id="{C0C680CD-088A-49FC-A102-D699147F32B2}" vid="{0B5AB586-D108-4FC1-8368-649FE654B894}"/>
     </a:ext>
   </a:extLst>
 </a:theme>
@@ -28761,7 +29004,7 @@
   <a:extraClrSchemeLst/>
   <a:extLst>
     <a:ext uri="{05A4C25C-085E-4340-85A3-A5531E510DB2}">
-      <thm15:themeFamily xmlns:thm15="http://schemas.microsoft.com/office/thememl/2012/main" name="Office Theme" id="{62F939B6-93AF-4DB8-9C6B-D6C7DFDC589F}" vid="{4A3C46E8-61CC-4603-A589-7422A47A8E4A}"/>
+      <thm15:themeFamily xmlns="" xmlns:thm15="http://schemas.microsoft.com/office/thememl/2012/main" name="Office Theme" id="{62F939B6-93AF-4DB8-9C6B-D6C7DFDC589F}" vid="{4A3C46E8-61CC-4603-A589-7422A47A8E4A}"/>
     </a:ext>
   </a:extLst>
 </a:theme>

--- a/English_project.pptx
+++ b/English_project.pptx
@@ -244,7 +244,7 @@
   </p:defaultTextStyle>
   <p:extLst>
     <p:ext uri="{EFAFB233-063F-42B5-8137-9DF3F51BA10A}">
-      <p15:sldGuideLst xmlns:p15="http://schemas.microsoft.com/office/powerpoint/2012/main" xmlns="">
+      <p15:sldGuideLst xmlns:p15="http://schemas.microsoft.com/office/powerpoint/2012/main">
         <p15:guide id="1" orient="horz" pos="2160">
           <p15:clr>
             <a:srgbClr val="A4A3A4"/>
@@ -258,7 +258,7 @@
       </p15:sldGuideLst>
     </p:ext>
     <p:ext uri="{2D200454-40CA-4A62-9FC3-DE9A4176ACB9}">
-      <p15:notesGuideLst xmlns:p15="http://schemas.microsoft.com/office/powerpoint/2012/main" xmlns=""/>
+      <p15:notesGuideLst xmlns:p15="http://schemas.microsoft.com/office/powerpoint/2012/main"/>
     </p:ext>
   </p:extLst>
 </p:presentation>
@@ -3734,7 +3734,7 @@
         <a:p>
           <a:r>
             <a:rPr lang="fr-FR" dirty="0" smtClean="0"/>
-            <a:t>Music</a:t>
+            <a:t>Sound</a:t>
           </a:r>
           <a:endParaRPr lang="fr-FR" dirty="0"/>
         </a:p>
@@ -4029,7 +4029,7 @@
         </a:p>
       </dgm:t>
     </dgm:pt>
-    <dgm:pt modelId="{22894DE8-AA6B-4EAB-895B-44AF297779B4}">
+    <dgm:pt modelId="{9FD72F27-AF8D-49D5-9E94-7D7AF3FD79FD}">
       <dgm:prSet phldrT="[Texte]" custT="1"/>
       <dgm:spPr/>
       <dgm:t>
@@ -4038,70 +4038,19 @@
         <a:p>
           <a:r>
             <a:rPr lang="fr-FR" sz="1400" dirty="0" smtClean="0"/>
-            <a:t>Correction</a:t>
+            <a:t>Score</a:t>
           </a:r>
           <a:endParaRPr lang="fr-FR" sz="1400" dirty="0"/>
         </a:p>
       </dgm:t>
     </dgm:pt>
-    <dgm:pt modelId="{D5CF9D3B-F763-49D0-B4EF-9F25BB73FC76}" type="parTrans" cxnId="{62721D8D-4CC4-4084-BC08-B3310D2364AF}">
+    <dgm:pt modelId="{E08B59B4-0370-4878-8741-8FFF4B3157DC}" type="parTrans" cxnId="{351BBDB3-15CD-40DB-8885-E8B285FAEA6D}">
       <dgm:prSet/>
       <dgm:spPr/>
-      <dgm:t>
-        <a:bodyPr/>
-        <a:lstStyle/>
-        <a:p>
-          <a:endParaRPr lang="fr-FR"/>
-        </a:p>
-      </dgm:t>
     </dgm:pt>
-    <dgm:pt modelId="{BFA739B1-07C5-4B51-852A-E78B290EB4AE}" type="sibTrans" cxnId="{62721D8D-4CC4-4084-BC08-B3310D2364AF}">
+    <dgm:pt modelId="{C18E5201-7CDB-417C-87C7-717CC64A9498}" type="sibTrans" cxnId="{351BBDB3-15CD-40DB-8885-E8B285FAEA6D}">
       <dgm:prSet/>
       <dgm:spPr/>
-      <dgm:t>
-        <a:bodyPr/>
-        <a:lstStyle/>
-        <a:p>
-          <a:endParaRPr lang="fr-FR"/>
-        </a:p>
-      </dgm:t>
-    </dgm:pt>
-    <dgm:pt modelId="{14E48E01-A81A-4AA3-9296-94E07E769EA3}">
-      <dgm:prSet phldrT="[Texte]" custT="1"/>
-      <dgm:spPr/>
-      <dgm:t>
-        <a:bodyPr/>
-        <a:lstStyle/>
-        <a:p>
-          <a:r>
-            <a:rPr lang="fr-FR" sz="1400" dirty="0" smtClean="0"/>
-            <a:t>Scores</a:t>
-          </a:r>
-          <a:endParaRPr lang="fr-FR" sz="1400" dirty="0"/>
-        </a:p>
-      </dgm:t>
-    </dgm:pt>
-    <dgm:pt modelId="{648937E2-1097-45A9-A0BD-57072B456AE8}" type="parTrans" cxnId="{553AA1DE-408E-4AEA-82FF-31C28A6C1F3F}">
-      <dgm:prSet/>
-      <dgm:spPr/>
-      <dgm:t>
-        <a:bodyPr/>
-        <a:lstStyle/>
-        <a:p>
-          <a:endParaRPr lang="fr-FR"/>
-        </a:p>
-      </dgm:t>
-    </dgm:pt>
-    <dgm:pt modelId="{15C0368C-FC4F-4297-91C3-6D37697621DA}" type="sibTrans" cxnId="{553AA1DE-408E-4AEA-82FF-31C28A6C1F3F}">
-      <dgm:prSet/>
-      <dgm:spPr/>
-      <dgm:t>
-        <a:bodyPr/>
-        <a:lstStyle/>
-        <a:p>
-          <a:endParaRPr lang="fr-FR"/>
-        </a:p>
-      </dgm:t>
     </dgm:pt>
     <dgm:pt modelId="{0D1B9487-4C22-4016-939D-043B0291F584}" type="pres">
       <dgm:prSet presAssocID="{5BBD5FDE-1D2C-42DA-83F5-6B202A79DEB6}" presName="rootnode" presStyleCnt="0">
@@ -4261,29 +4210,27 @@
     </dgm:pt>
   </dgm:ptLst>
   <dgm:cxnLst>
-    <dgm:cxn modelId="{C15810EF-283C-4FFF-9253-54A5F3EF1EF0}" srcId="{0066E030-6FED-4FC6-8D90-8713E368516D}" destId="{34BF097A-A37E-4AFB-85DD-6B0A446FAE69}" srcOrd="1" destOrd="0" parTransId="{0A5293A2-21BC-4D95-BC0F-2E05E6CE5E55}" sibTransId="{7DA77182-6596-45AA-BA16-70619F0EDC3D}"/>
-    <dgm:cxn modelId="{0A5141C0-D6C9-4E8A-89F2-AA960815D5C8}" type="presOf" srcId="{83004E36-DED6-4FF1-8749-2871D72F3E29}" destId="{5CE43831-3851-40E8-8575-1B60B0D17981}" srcOrd="0" destOrd="0" presId="urn:microsoft.com/office/officeart/2005/8/layout/StepDownProcess"/>
-    <dgm:cxn modelId="{0AE2D44E-7C20-451D-B4B5-874C0DB10406}" srcId="{0066E030-6FED-4FC6-8D90-8713E368516D}" destId="{47070B51-314F-4C3F-8977-2158DECF7B45}" srcOrd="0" destOrd="0" parTransId="{DD202EE9-CFD0-454E-94C8-68F8D7BB85A3}" sibTransId="{BA2CB51D-075D-48BD-9019-6390AB912B97}"/>
-    <dgm:cxn modelId="{A8FD8EC1-5874-4C17-8F8B-22EF1C587D9F}" type="presOf" srcId="{0066E030-6FED-4FC6-8D90-8713E368516D}" destId="{E9C83084-05E3-4DF5-8F8C-2F0AE327D7EA}" srcOrd="0" destOrd="0" presId="urn:microsoft.com/office/officeart/2005/8/layout/StepDownProcess"/>
-    <dgm:cxn modelId="{BE6C3EBB-1059-4A5C-B8F0-C3792B80AA22}" srcId="{83004E36-DED6-4FF1-8749-2871D72F3E29}" destId="{80122353-26A4-4F38-9391-D0D36DF5D322}" srcOrd="2" destOrd="0" parTransId="{AA6BFD0E-B6DE-4CBC-8095-B8159F3451A3}" sibTransId="{C3DF3FE0-57BA-40B1-9B54-DD215CF028CF}"/>
-    <dgm:cxn modelId="{C2344D2D-F0B2-427C-857D-8969AD2DE25E}" srcId="{83004E36-DED6-4FF1-8749-2871D72F3E29}" destId="{EF703B63-985F-4BCE-A734-D1D48AD175A9}" srcOrd="1" destOrd="0" parTransId="{665F0898-3DAA-451E-8381-7F5F170578DF}" sibTransId="{C789F8F6-8819-41DA-8FE7-9ABACC854698}"/>
-    <dgm:cxn modelId="{553AA1DE-408E-4AEA-82FF-31C28A6C1F3F}" srcId="{A2E51F67-1AC2-4C2D-AD7C-7DBE5FBF8753}" destId="{14E48E01-A81A-4AA3-9296-94E07E769EA3}" srcOrd="2" destOrd="0" parTransId="{648937E2-1097-45A9-A0BD-57072B456AE8}" sibTransId="{15C0368C-FC4F-4297-91C3-6D37697621DA}"/>
-    <dgm:cxn modelId="{62721D8D-4CC4-4084-BC08-B3310D2364AF}" srcId="{A2E51F67-1AC2-4C2D-AD7C-7DBE5FBF8753}" destId="{22894DE8-AA6B-4EAB-895B-44AF297779B4}" srcOrd="1" destOrd="0" parTransId="{D5CF9D3B-F763-49D0-B4EF-9F25BB73FC76}" sibTransId="{BFA739B1-07C5-4B51-852A-E78B290EB4AE}"/>
-    <dgm:cxn modelId="{2972943C-7DCE-40FF-886A-04FEC5C1190B}" srcId="{5BBD5FDE-1D2C-42DA-83F5-6B202A79DEB6}" destId="{A2E51F67-1AC2-4C2D-AD7C-7DBE5FBF8753}" srcOrd="2" destOrd="0" parTransId="{DDA9372D-3BE3-4A8F-9736-3E3E417C6D17}" sibTransId="{EFF6CCFA-F689-4B96-BF39-F948CDCF6817}"/>
+    <dgm:cxn modelId="{197B6AD0-5FE6-4219-B6F2-E66FD731DCB9}" type="presOf" srcId="{DC5B6411-585E-4D67-8575-76D923F1AC05}" destId="{E1AA0B5A-6A01-4EDE-9900-6B4CC93F19C8}" srcOrd="0" destOrd="0" presId="urn:microsoft.com/office/officeart/2005/8/layout/StepDownProcess"/>
     <dgm:cxn modelId="{E8074996-65BA-4EE9-B0C2-0B8692504DFE}" type="presOf" srcId="{EF703B63-985F-4BCE-A734-D1D48AD175A9}" destId="{E1AA0B5A-6A01-4EDE-9900-6B4CC93F19C8}" srcOrd="0" destOrd="1" presId="urn:microsoft.com/office/officeart/2005/8/layout/StepDownProcess"/>
-    <dgm:cxn modelId="{9B044058-CDE7-43DF-95E6-41EFCE64BEC3}" type="presOf" srcId="{14E48E01-A81A-4AA3-9296-94E07E769EA3}" destId="{7898A64E-DBE3-49BE-B7E0-134F02E6EA35}" srcOrd="0" destOrd="2" presId="urn:microsoft.com/office/officeart/2005/8/layout/StepDownProcess"/>
-    <dgm:cxn modelId="{BED35713-5E1B-4DDF-82F2-7528174D51FD}" type="presOf" srcId="{22894DE8-AA6B-4EAB-895B-44AF297779B4}" destId="{7898A64E-DBE3-49BE-B7E0-134F02E6EA35}" srcOrd="0" destOrd="1" presId="urn:microsoft.com/office/officeart/2005/8/layout/StepDownProcess"/>
-    <dgm:cxn modelId="{197B6AD0-5FE6-4219-B6F2-E66FD731DCB9}" type="presOf" srcId="{DC5B6411-585E-4D67-8575-76D923F1AC05}" destId="{E1AA0B5A-6A01-4EDE-9900-6B4CC93F19C8}" srcOrd="0" destOrd="0" presId="urn:microsoft.com/office/officeart/2005/8/layout/StepDownProcess"/>
     <dgm:cxn modelId="{FB3DD0BF-FA17-467D-B9B9-CB7BE907AFB4}" type="presOf" srcId="{5BBD5FDE-1D2C-42DA-83F5-6B202A79DEB6}" destId="{0D1B9487-4C22-4016-939D-043B0291F584}" srcOrd="0" destOrd="0" presId="urn:microsoft.com/office/officeart/2005/8/layout/StepDownProcess"/>
     <dgm:cxn modelId="{9A8B07A3-EBB5-4482-B9CD-0F76C1757C50}" srcId="{83004E36-DED6-4FF1-8749-2871D72F3E29}" destId="{DC5B6411-585E-4D67-8575-76D923F1AC05}" srcOrd="0" destOrd="0" parTransId="{3EF016FF-0513-43E6-97E5-34934AF828EA}" sibTransId="{270FC169-FF4E-4B50-A442-F0985B8BAFD7}"/>
+    <dgm:cxn modelId="{2972943C-7DCE-40FF-886A-04FEC5C1190B}" srcId="{5BBD5FDE-1D2C-42DA-83F5-6B202A79DEB6}" destId="{A2E51F67-1AC2-4C2D-AD7C-7DBE5FBF8753}" srcOrd="2" destOrd="0" parTransId="{DDA9372D-3BE3-4A8F-9736-3E3E417C6D17}" sibTransId="{EFF6CCFA-F689-4B96-BF39-F948CDCF6817}"/>
+    <dgm:cxn modelId="{7F63F445-3183-4D86-8566-A831D3AD7BFE}" srcId="{A2E51F67-1AC2-4C2D-AD7C-7DBE5FBF8753}" destId="{BF6DA2FA-786C-43EB-B9EC-DE8550F5DF5F}" srcOrd="1" destOrd="0" parTransId="{D783280B-49D4-4D87-BD02-9F0609E41928}" sibTransId="{1E155412-5961-45E6-9F60-874613F91DB8}"/>
+    <dgm:cxn modelId="{0AE2D44E-7C20-451D-B4B5-874C0DB10406}" srcId="{0066E030-6FED-4FC6-8D90-8713E368516D}" destId="{47070B51-314F-4C3F-8977-2158DECF7B45}" srcOrd="0" destOrd="0" parTransId="{DD202EE9-CFD0-454E-94C8-68F8D7BB85A3}" sibTransId="{BA2CB51D-075D-48BD-9019-6390AB912B97}"/>
+    <dgm:cxn modelId="{B81D649A-BF11-4F1D-8B81-A932565D428F}" type="presOf" srcId="{9FD72F27-AF8D-49D5-9E94-7D7AF3FD79FD}" destId="{7898A64E-DBE3-49BE-B7E0-134F02E6EA35}" srcOrd="0" destOrd="0" presId="urn:microsoft.com/office/officeart/2005/8/layout/StepDownProcess"/>
+    <dgm:cxn modelId="{A8FD8EC1-5874-4C17-8F8B-22EF1C587D9F}" type="presOf" srcId="{0066E030-6FED-4FC6-8D90-8713E368516D}" destId="{E9C83084-05E3-4DF5-8F8C-2F0AE327D7EA}" srcOrd="0" destOrd="0" presId="urn:microsoft.com/office/officeart/2005/8/layout/StepDownProcess"/>
+    <dgm:cxn modelId="{C84FAEA7-CEBC-433B-A6BC-655CC2C6FD90}" type="presOf" srcId="{47070B51-314F-4C3F-8977-2158DECF7B45}" destId="{7D78B636-A7D1-4430-93DF-B7EB27F99DB5}" srcOrd="0" destOrd="0" presId="urn:microsoft.com/office/officeart/2005/8/layout/StepDownProcess"/>
     <dgm:cxn modelId="{F0D5742B-2294-4B77-A664-15DBD561FEAC}" srcId="{5BBD5FDE-1D2C-42DA-83F5-6B202A79DEB6}" destId="{0066E030-6FED-4FC6-8D90-8713E368516D}" srcOrd="1" destOrd="0" parTransId="{175AB9A2-1C77-4D3D-A444-D80E867EB798}" sibTransId="{DD7C0922-5011-4F42-A0D9-73CEBB86FE66}"/>
-    <dgm:cxn modelId="{A9DE97F2-B578-4DFB-AAC5-309A3BE3DD89}" type="presOf" srcId="{BF6DA2FA-786C-43EB-B9EC-DE8550F5DF5F}" destId="{7898A64E-DBE3-49BE-B7E0-134F02E6EA35}" srcOrd="0" destOrd="0" presId="urn:microsoft.com/office/officeart/2005/8/layout/StepDownProcess"/>
-    <dgm:cxn modelId="{7F63F445-3183-4D86-8566-A831D3AD7BFE}" srcId="{A2E51F67-1AC2-4C2D-AD7C-7DBE5FBF8753}" destId="{BF6DA2FA-786C-43EB-B9EC-DE8550F5DF5F}" srcOrd="0" destOrd="0" parTransId="{D783280B-49D4-4D87-BD02-9F0609E41928}" sibTransId="{1E155412-5961-45E6-9F60-874613F91DB8}"/>
+    <dgm:cxn modelId="{351BBDB3-15CD-40DB-8885-E8B285FAEA6D}" srcId="{A2E51F67-1AC2-4C2D-AD7C-7DBE5FBF8753}" destId="{9FD72F27-AF8D-49D5-9E94-7D7AF3FD79FD}" srcOrd="0" destOrd="0" parTransId="{E08B59B4-0370-4878-8741-8FFF4B3157DC}" sibTransId="{C18E5201-7CDB-417C-87C7-717CC64A9498}"/>
+    <dgm:cxn modelId="{FB7537BA-3404-4747-ADF4-6FEA99B5154A}" srcId="{5BBD5FDE-1D2C-42DA-83F5-6B202A79DEB6}" destId="{83004E36-DED6-4FF1-8749-2871D72F3E29}" srcOrd="0" destOrd="0" parTransId="{EE62776C-2924-4199-9042-E9B77B5390C3}" sibTransId="{0A64C251-AF37-4418-8828-EBC3C31822E1}"/>
+    <dgm:cxn modelId="{A33957AC-ED1F-45BE-BD4C-551F8D2ACA48}" type="presOf" srcId="{80122353-26A4-4F38-9391-D0D36DF5D322}" destId="{E1AA0B5A-6A01-4EDE-9900-6B4CC93F19C8}" srcOrd="0" destOrd="2" presId="urn:microsoft.com/office/officeart/2005/8/layout/StepDownProcess"/>
+    <dgm:cxn modelId="{B03952E0-4CEB-42A6-B02F-AD593BD21B7B}" type="presOf" srcId="{A2E51F67-1AC2-4C2D-AD7C-7DBE5FBF8753}" destId="{01F0D4A7-3D70-4853-9470-554A4D5F7D9D}" srcOrd="0" destOrd="0" presId="urn:microsoft.com/office/officeart/2005/8/layout/StepDownProcess"/>
+    <dgm:cxn modelId="{C15810EF-283C-4FFF-9253-54A5F3EF1EF0}" srcId="{0066E030-6FED-4FC6-8D90-8713E368516D}" destId="{34BF097A-A37E-4AFB-85DD-6B0A446FAE69}" srcOrd="1" destOrd="0" parTransId="{0A5293A2-21BC-4D95-BC0F-2E05E6CE5E55}" sibTransId="{7DA77182-6596-45AA-BA16-70619F0EDC3D}"/>
+    <dgm:cxn modelId="{A9DE97F2-B578-4DFB-AAC5-309A3BE3DD89}" type="presOf" srcId="{BF6DA2FA-786C-43EB-B9EC-DE8550F5DF5F}" destId="{7898A64E-DBE3-49BE-B7E0-134F02E6EA35}" srcOrd="0" destOrd="1" presId="urn:microsoft.com/office/officeart/2005/8/layout/StepDownProcess"/>
+    <dgm:cxn modelId="{BE6C3EBB-1059-4A5C-B8F0-C3792B80AA22}" srcId="{83004E36-DED6-4FF1-8749-2871D72F3E29}" destId="{80122353-26A4-4F38-9391-D0D36DF5D322}" srcOrd="2" destOrd="0" parTransId="{AA6BFD0E-B6DE-4CBC-8095-B8159F3451A3}" sibTransId="{C3DF3FE0-57BA-40B1-9B54-DD215CF028CF}"/>
     <dgm:cxn modelId="{7CC659C8-D960-4B08-8EF0-D42E217637C7}" type="presOf" srcId="{34BF097A-A37E-4AFB-85DD-6B0A446FAE69}" destId="{7D78B636-A7D1-4430-93DF-B7EB27F99DB5}" srcOrd="0" destOrd="1" presId="urn:microsoft.com/office/officeart/2005/8/layout/StepDownProcess"/>
-    <dgm:cxn modelId="{A33957AC-ED1F-45BE-BD4C-551F8D2ACA48}" type="presOf" srcId="{80122353-26A4-4F38-9391-D0D36DF5D322}" destId="{E1AA0B5A-6A01-4EDE-9900-6B4CC93F19C8}" srcOrd="0" destOrd="2" presId="urn:microsoft.com/office/officeart/2005/8/layout/StepDownProcess"/>
-    <dgm:cxn modelId="{C84FAEA7-CEBC-433B-A6BC-655CC2C6FD90}" type="presOf" srcId="{47070B51-314F-4C3F-8977-2158DECF7B45}" destId="{7D78B636-A7D1-4430-93DF-B7EB27F99DB5}" srcOrd="0" destOrd="0" presId="urn:microsoft.com/office/officeart/2005/8/layout/StepDownProcess"/>
-    <dgm:cxn modelId="{FB7537BA-3404-4747-ADF4-6FEA99B5154A}" srcId="{5BBD5FDE-1D2C-42DA-83F5-6B202A79DEB6}" destId="{83004E36-DED6-4FF1-8749-2871D72F3E29}" srcOrd="0" destOrd="0" parTransId="{EE62776C-2924-4199-9042-E9B77B5390C3}" sibTransId="{0A64C251-AF37-4418-8828-EBC3C31822E1}"/>
-    <dgm:cxn modelId="{B03952E0-4CEB-42A6-B02F-AD593BD21B7B}" type="presOf" srcId="{A2E51F67-1AC2-4C2D-AD7C-7DBE5FBF8753}" destId="{01F0D4A7-3D70-4853-9470-554A4D5F7D9D}" srcOrd="0" destOrd="0" presId="urn:microsoft.com/office/officeart/2005/8/layout/StepDownProcess"/>
+    <dgm:cxn modelId="{0A5141C0-D6C9-4E8A-89F2-AA960815D5C8}" type="presOf" srcId="{83004E36-DED6-4FF1-8749-2871D72F3E29}" destId="{5CE43831-3851-40E8-8575-1B60B0D17981}" srcOrd="0" destOrd="0" presId="urn:microsoft.com/office/officeart/2005/8/layout/StepDownProcess"/>
+    <dgm:cxn modelId="{C2344D2D-F0B2-427C-857D-8969AD2DE25E}" srcId="{83004E36-DED6-4FF1-8749-2871D72F3E29}" destId="{EF703B63-985F-4BCE-A734-D1D48AD175A9}" srcOrd="1" destOrd="0" parTransId="{665F0898-3DAA-451E-8381-7F5F170578DF}" sibTransId="{C789F8F6-8819-41DA-8FE7-9ABACC854698}"/>
     <dgm:cxn modelId="{250ABB56-1A49-496B-82FE-CEE1193531FD}" type="presParOf" srcId="{0D1B9487-4C22-4016-939D-043B0291F584}" destId="{ECF53466-C6CE-4CCC-A106-C457A057EF2C}" srcOrd="0" destOrd="0" presId="urn:microsoft.com/office/officeart/2005/8/layout/StepDownProcess"/>
     <dgm:cxn modelId="{D02288BA-85EB-4517-B8FC-7FEFBBC815DF}" type="presParOf" srcId="{ECF53466-C6CE-4CCC-A106-C457A057EF2C}" destId="{2BEA861F-A44D-46EB-B9AB-02B08A34932A}" srcOrd="0" destOrd="0" presId="urn:microsoft.com/office/officeart/2005/8/layout/StepDownProcess"/>
     <dgm:cxn modelId="{124DA0DA-967B-4948-843C-FF9209F54CE6}" type="presParOf" srcId="{ECF53466-C6CE-4CCC-A106-C457A057EF2C}" destId="{5CE43831-3851-40E8-8575-1B60B0D17981}" srcOrd="1" destOrd="0" presId="urn:microsoft.com/office/officeart/2005/8/layout/StepDownProcess"/>
@@ -5576,7 +5523,7 @@
           </a:pPr>
           <a:r>
             <a:rPr lang="fr-FR" sz="1600" kern="1200" dirty="0" smtClean="0"/>
-            <a:t>Music</a:t>
+            <a:t>Sound</a:t>
           </a:r>
           <a:endParaRPr lang="fr-FR" sz="1600" kern="1200" dirty="0"/>
         </a:p>
@@ -5966,8 +5913,8 @@
             <a:buChar char="••"/>
           </a:pPr>
           <a:r>
-            <a:rPr lang="fr-FR" sz="1400" kern="1200" dirty="0" err="1" smtClean="0"/>
-            <a:t>Ranking</a:t>
+            <a:rPr lang="fr-FR" sz="1400" kern="1200" dirty="0" smtClean="0"/>
+            <a:t>Score</a:t>
           </a:r>
           <a:endParaRPr lang="fr-FR" sz="1400" kern="1200" dirty="0"/>
         </a:p>
@@ -5985,27 +5932,8 @@
             <a:buChar char="••"/>
           </a:pPr>
           <a:r>
-            <a:rPr lang="fr-FR" sz="1400" kern="1200" dirty="0" smtClean="0"/>
-            <a:t>Correction</a:t>
-          </a:r>
-          <a:endParaRPr lang="fr-FR" sz="1400" kern="1200" dirty="0"/>
-        </a:p>
-        <a:p>
-          <a:pPr marL="114300" lvl="1" indent="-114300" algn="l" defTabSz="622300">
-            <a:lnSpc>
-              <a:spcPct val="90000"/>
-            </a:lnSpc>
-            <a:spcBef>
-              <a:spcPct val="0"/>
-            </a:spcBef>
-            <a:spcAft>
-              <a:spcPct val="15000"/>
-            </a:spcAft>
-            <a:buChar char="••"/>
-          </a:pPr>
-          <a:r>
-            <a:rPr lang="fr-FR" sz="1400" kern="1200" dirty="0" smtClean="0"/>
-            <a:t>Scores</a:t>
+            <a:rPr lang="fr-FR" sz="1400" kern="1200" dirty="0" err="1" smtClean="0"/>
+            <a:t>Ranking</a:t>
           </a:r>
           <a:endParaRPr lang="fr-FR" sz="1400" kern="1200" dirty="0"/>
         </a:p>
@@ -6700,410 +6628,6 @@
       <dsp:cNvGrpSpPr/>
     </dsp:nvGrpSpPr>
     <dsp:grpSpPr/>
-    <dsp:sp modelId="{07FF3C45-38E0-42A4-AD01-21912CC85777}">
-      <dsp:nvSpPr>
-        <dsp:cNvPr id="0" name=""/>
-        <dsp:cNvSpPr/>
-      </dsp:nvSpPr>
-      <dsp:spPr>
-        <a:xfrm>
-          <a:off x="0" y="126999"/>
-          <a:ext cx="6096000" cy="3810000"/>
-        </a:xfrm>
-        <a:prstGeom prst="swooshArrow">
-          <a:avLst>
-            <a:gd name="adj1" fmla="val 25000"/>
-            <a:gd name="adj2" fmla="val 25000"/>
-          </a:avLst>
-        </a:prstGeom>
-        <a:solidFill>
-          <a:schemeClr val="bg1">
-            <a:lumMod val="85000"/>
-          </a:schemeClr>
-        </a:solidFill>
-        <a:ln>
-          <a:solidFill>
-            <a:schemeClr val="lt1">
-              <a:hueOff val="0"/>
-              <a:satOff val="0"/>
-              <a:lumOff val="0"/>
-            </a:schemeClr>
-          </a:solidFill>
-        </a:ln>
-        <a:effectLst/>
-      </dsp:spPr>
-      <dsp:style>
-        <a:lnRef idx="0">
-          <a:scrgbClr r="0" g="0" b="0"/>
-        </a:lnRef>
-        <a:fillRef idx="1">
-          <a:scrgbClr r="0" g="0" b="0"/>
-        </a:fillRef>
-        <a:effectRef idx="0">
-          <a:scrgbClr r="0" g="0" b="0"/>
-        </a:effectRef>
-        <a:fontRef idx="minor"/>
-      </dsp:style>
-    </dsp:sp>
-    <dsp:sp modelId="{45158023-1B60-4AC1-999B-C26018B6BF7E}">
-      <dsp:nvSpPr>
-        <dsp:cNvPr id="0" name=""/>
-        <dsp:cNvSpPr/>
-      </dsp:nvSpPr>
-      <dsp:spPr>
-        <a:xfrm>
-          <a:off x="794739" y="2787484"/>
-          <a:ext cx="158496" cy="158496"/>
-        </a:xfrm>
-        <a:prstGeom prst="ellipse">
-          <a:avLst/>
-        </a:prstGeom>
-        <a:solidFill>
-          <a:schemeClr val="accent2">
-            <a:lumMod val="40000"/>
-            <a:lumOff val="60000"/>
-          </a:schemeClr>
-        </a:solidFill>
-        <a:ln w="19050" cap="rnd" cmpd="sng" algn="ctr">
-          <a:solidFill>
-            <a:schemeClr val="lt1">
-              <a:hueOff val="0"/>
-              <a:satOff val="0"/>
-              <a:lumOff val="0"/>
-            </a:schemeClr>
-          </a:solidFill>
-          <a:prstDash val="solid"/>
-        </a:ln>
-        <a:effectLst/>
-      </dsp:spPr>
-      <dsp:style>
-        <a:lnRef idx="2">
-          <a:scrgbClr r="0" g="0" b="0"/>
-        </a:lnRef>
-        <a:fillRef idx="1">
-          <a:scrgbClr r="0" g="0" b="0"/>
-        </a:fillRef>
-        <a:effectRef idx="0">
-          <a:scrgbClr r="0" g="0" b="0"/>
-        </a:effectRef>
-        <a:fontRef idx="minor">
-          <a:schemeClr val="lt1"/>
-        </a:fontRef>
-      </dsp:style>
-    </dsp:sp>
-    <dsp:sp modelId="{673AE611-6AFC-4325-AACF-598342C64FC1}">
-      <dsp:nvSpPr>
-        <dsp:cNvPr id="0" name=""/>
-        <dsp:cNvSpPr/>
-      </dsp:nvSpPr>
-      <dsp:spPr>
-        <a:xfrm>
-          <a:off x="853440" y="2835910"/>
-          <a:ext cx="1420368" cy="1101090"/>
-        </a:xfrm>
-        <a:prstGeom prst="rect">
-          <a:avLst/>
-        </a:prstGeom>
-        <a:noFill/>
-        <a:ln>
-          <a:noFill/>
-        </a:ln>
-        <a:effectLst/>
-      </dsp:spPr>
-      <dsp:style>
-        <a:lnRef idx="0">
-          <a:scrgbClr r="0" g="0" b="0"/>
-        </a:lnRef>
-        <a:fillRef idx="0">
-          <a:scrgbClr r="0" g="0" b="0"/>
-        </a:fillRef>
-        <a:effectRef idx="0">
-          <a:scrgbClr r="0" g="0" b="0"/>
-        </a:effectRef>
-        <a:fontRef idx="minor"/>
-      </dsp:style>
-      <dsp:txBody>
-        <a:bodyPr spcFirstLastPara="0" vert="horz" wrap="square" lIns="83984" tIns="0" rIns="0" bIns="0" numCol="1" spcCol="1270" anchor="t" anchorCtr="0">
-          <a:noAutofit/>
-        </a:bodyPr>
-        <a:lstStyle/>
-        <a:p>
-          <a:pPr lvl="0" algn="l" defTabSz="977900">
-            <a:lnSpc>
-              <a:spcPct val="90000"/>
-            </a:lnSpc>
-            <a:spcBef>
-              <a:spcPct val="0"/>
-            </a:spcBef>
-            <a:spcAft>
-              <a:spcPct val="35000"/>
-            </a:spcAft>
-          </a:pPr>
-          <a:endParaRPr lang="fr-FR" sz="2200" kern="1200" dirty="0" smtClean="0"/>
-        </a:p>
-        <a:p>
-          <a:pPr lvl="0" algn="l" defTabSz="977900">
-            <a:lnSpc>
-              <a:spcPct val="90000"/>
-            </a:lnSpc>
-            <a:spcBef>
-              <a:spcPct val="0"/>
-            </a:spcBef>
-            <a:spcAft>
-              <a:spcPct val="35000"/>
-            </a:spcAft>
-          </a:pPr>
-          <a:r>
-            <a:rPr lang="fr-FR" sz="2200" kern="1200" dirty="0" smtClean="0"/>
-            <a:t>Consistant </a:t>
-          </a:r>
-          <a:endParaRPr lang="fr-FR" sz="2200" kern="1200" dirty="0"/>
-        </a:p>
-      </dsp:txBody>
-      <dsp:txXfrm>
-        <a:off x="853440" y="2835910"/>
-        <a:ext cx="1420368" cy="1101090"/>
-      </dsp:txXfrm>
-    </dsp:sp>
-    <dsp:sp modelId="{BA501A41-1C21-4048-BB85-AE2B270BDA63}">
-      <dsp:nvSpPr>
-        <dsp:cNvPr id="0" name=""/>
-        <dsp:cNvSpPr/>
-      </dsp:nvSpPr>
-      <dsp:spPr>
-        <a:xfrm>
-          <a:off x="2173224" y="1721103"/>
-          <a:ext cx="286512" cy="286512"/>
-        </a:xfrm>
-        <a:prstGeom prst="ellipse">
-          <a:avLst/>
-        </a:prstGeom>
-        <a:solidFill>
-          <a:schemeClr val="accent2">
-            <a:lumMod val="75000"/>
-          </a:schemeClr>
-        </a:solidFill>
-        <a:ln w="22225" cap="rnd" cmpd="sng" algn="ctr">
-          <a:solidFill>
-            <a:schemeClr val="lt1">
-              <a:hueOff val="0"/>
-              <a:satOff val="0"/>
-              <a:lumOff val="0"/>
-            </a:schemeClr>
-          </a:solidFill>
-          <a:prstDash val="solid"/>
-        </a:ln>
-        <a:effectLst/>
-      </dsp:spPr>
-      <dsp:style>
-        <a:lnRef idx="2">
-          <a:scrgbClr r="0" g="0" b="0"/>
-        </a:lnRef>
-        <a:fillRef idx="1">
-          <a:scrgbClr r="0" g="0" b="0"/>
-        </a:fillRef>
-        <a:effectRef idx="0">
-          <a:scrgbClr r="0" g="0" b="0"/>
-        </a:effectRef>
-        <a:fontRef idx="minor">
-          <a:schemeClr val="lt1"/>
-        </a:fontRef>
-      </dsp:style>
-    </dsp:sp>
-    <dsp:sp modelId="{4640EBAB-139E-4C29-9949-F390785A07BD}">
-      <dsp:nvSpPr>
-        <dsp:cNvPr id="0" name=""/>
-        <dsp:cNvSpPr/>
-      </dsp:nvSpPr>
-      <dsp:spPr>
-        <a:xfrm>
-          <a:off x="2316480" y="1864359"/>
-          <a:ext cx="1463040" cy="2072640"/>
-        </a:xfrm>
-        <a:prstGeom prst="rect">
-          <a:avLst/>
-        </a:prstGeom>
-        <a:noFill/>
-        <a:ln>
-          <a:noFill/>
-        </a:ln>
-        <a:effectLst/>
-      </dsp:spPr>
-      <dsp:style>
-        <a:lnRef idx="0">
-          <a:scrgbClr r="0" g="0" b="0"/>
-        </a:lnRef>
-        <a:fillRef idx="0">
-          <a:scrgbClr r="0" g="0" b="0"/>
-        </a:fillRef>
-        <a:effectRef idx="0">
-          <a:scrgbClr r="0" g="0" b="0"/>
-        </a:effectRef>
-        <a:fontRef idx="minor"/>
-      </dsp:style>
-      <dsp:txBody>
-        <a:bodyPr spcFirstLastPara="0" vert="horz" wrap="square" lIns="151817" tIns="0" rIns="0" bIns="0" numCol="1" spcCol="1270" anchor="t" anchorCtr="0">
-          <a:noAutofit/>
-        </a:bodyPr>
-        <a:lstStyle/>
-        <a:p>
-          <a:pPr lvl="0" algn="l" defTabSz="977900">
-            <a:lnSpc>
-              <a:spcPct val="90000"/>
-            </a:lnSpc>
-            <a:spcBef>
-              <a:spcPct val="0"/>
-            </a:spcBef>
-            <a:spcAft>
-              <a:spcPct val="35000"/>
-            </a:spcAft>
-          </a:pPr>
-          <a:r>
-            <a:rPr lang="fr-FR" sz="2200" kern="1200" dirty="0" smtClean="0"/>
-            <a:t> </a:t>
-          </a:r>
-        </a:p>
-        <a:p>
-          <a:pPr lvl="0" algn="l" defTabSz="977900">
-            <a:lnSpc>
-              <a:spcPct val="90000"/>
-            </a:lnSpc>
-            <a:spcBef>
-              <a:spcPct val="0"/>
-            </a:spcBef>
-            <a:spcAft>
-              <a:spcPct val="35000"/>
-            </a:spcAft>
-          </a:pPr>
-          <a:r>
-            <a:rPr lang="fr-FR" sz="2200" kern="1200" dirty="0" err="1" smtClean="0"/>
-            <a:t>Larger</a:t>
-          </a:r>
-          <a:endParaRPr lang="fr-FR" sz="2200" kern="1200" dirty="0"/>
-        </a:p>
-      </dsp:txBody>
-      <dsp:txXfrm>
-        <a:off x="2316480" y="1864359"/>
-        <a:ext cx="1463040" cy="2072640"/>
-      </dsp:txXfrm>
-    </dsp:sp>
-    <dsp:sp modelId="{90CDF2FA-464D-4D24-8252-73FE7F93384F}">
-      <dsp:nvSpPr>
-        <dsp:cNvPr id="0" name=""/>
-        <dsp:cNvSpPr/>
-      </dsp:nvSpPr>
-      <dsp:spPr>
-        <a:xfrm>
-          <a:off x="3855720" y="1090929"/>
-          <a:ext cx="396240" cy="396240"/>
-        </a:xfrm>
-        <a:prstGeom prst="ellipse">
-          <a:avLst/>
-        </a:prstGeom>
-        <a:solidFill>
-          <a:srgbClr val="002060"/>
-        </a:solidFill>
-        <a:ln w="19050" cap="rnd" cmpd="sng" algn="ctr">
-          <a:solidFill>
-            <a:schemeClr val="lt1">
-              <a:hueOff val="0"/>
-              <a:satOff val="0"/>
-              <a:lumOff val="0"/>
-            </a:schemeClr>
-          </a:solidFill>
-          <a:prstDash val="solid"/>
-        </a:ln>
-        <a:effectLst/>
-      </dsp:spPr>
-      <dsp:style>
-        <a:lnRef idx="2">
-          <a:scrgbClr r="0" g="0" b="0"/>
-        </a:lnRef>
-        <a:fillRef idx="1">
-          <a:scrgbClr r="0" g="0" b="0"/>
-        </a:fillRef>
-        <a:effectRef idx="0">
-          <a:scrgbClr r="0" g="0" b="0"/>
-        </a:effectRef>
-        <a:fontRef idx="minor">
-          <a:schemeClr val="lt1"/>
-        </a:fontRef>
-      </dsp:style>
-    </dsp:sp>
-    <dsp:sp modelId="{BC7B1F06-D545-476F-9745-7C461B5BFB45}">
-      <dsp:nvSpPr>
-        <dsp:cNvPr id="0" name=""/>
-        <dsp:cNvSpPr/>
-      </dsp:nvSpPr>
-      <dsp:spPr>
-        <a:xfrm>
-          <a:off x="4053840" y="1289049"/>
-          <a:ext cx="1463040" cy="2647950"/>
-        </a:xfrm>
-        <a:prstGeom prst="rect">
-          <a:avLst/>
-        </a:prstGeom>
-        <a:noFill/>
-        <a:ln>
-          <a:noFill/>
-        </a:ln>
-        <a:effectLst/>
-      </dsp:spPr>
-      <dsp:style>
-        <a:lnRef idx="0">
-          <a:scrgbClr r="0" g="0" b="0"/>
-        </a:lnRef>
-        <a:fillRef idx="0">
-          <a:scrgbClr r="0" g="0" b="0"/>
-        </a:fillRef>
-        <a:effectRef idx="0">
-          <a:scrgbClr r="0" g="0" b="0"/>
-        </a:effectRef>
-        <a:fontRef idx="minor"/>
-      </dsp:style>
-      <dsp:txBody>
-        <a:bodyPr spcFirstLastPara="0" vert="horz" wrap="square" lIns="209959" tIns="0" rIns="0" bIns="0" numCol="1" spcCol="1270" anchor="t" anchorCtr="0">
-          <a:noAutofit/>
-        </a:bodyPr>
-        <a:lstStyle/>
-        <a:p>
-          <a:pPr lvl="0" algn="l" defTabSz="977900">
-            <a:lnSpc>
-              <a:spcPct val="90000"/>
-            </a:lnSpc>
-            <a:spcBef>
-              <a:spcPct val="0"/>
-            </a:spcBef>
-            <a:spcAft>
-              <a:spcPct val="35000"/>
-            </a:spcAft>
-          </a:pPr>
-          <a:endParaRPr lang="fr-FR" sz="2200" kern="1200" dirty="0" smtClean="0"/>
-        </a:p>
-        <a:p>
-          <a:pPr lvl="0" algn="l" defTabSz="977900">
-            <a:lnSpc>
-              <a:spcPct val="90000"/>
-            </a:lnSpc>
-            <a:spcBef>
-              <a:spcPct val="0"/>
-            </a:spcBef>
-            <a:spcAft>
-              <a:spcPct val="35000"/>
-            </a:spcAft>
-          </a:pPr>
-          <a:r>
-            <a:rPr lang="fr-FR" sz="2200" kern="1200" dirty="0" err="1" smtClean="0"/>
-            <a:t>Faster</a:t>
-          </a:r>
-          <a:endParaRPr lang="fr-FR" sz="2200" kern="1200" dirty="0"/>
-        </a:p>
-      </dsp:txBody>
-      <dsp:txXfrm>
-        <a:off x="4053840" y="1289049"/>
-        <a:ext cx="1463040" cy="2647950"/>
-      </dsp:txXfrm>
-    </dsp:sp>
   </dsp:spTree>
 </dsp:drawing>
 </file>
@@ -14399,7 +13923,7 @@
           <a:p>
             <a:fld id="{35C7B52B-3E5A-4B9C-A9F4-5800452A8829}" type="datetimeFigureOut">
               <a:rPr lang="fr-FR" smtClean="0"/>
-              <a:t>17/05/2015</a:t>
+              <a:t>18/05/2015</a:t>
             </a:fld>
             <a:endParaRPr lang="fr-FR"/>
           </a:p>
@@ -16454,6 +15978,50 @@
               <a:rPr lang="fr-FR" baseline="0" dirty="0" smtClean="0"/>
               <a:t> = parenthèse </a:t>
             </a:r>
+          </a:p>
+          <a:p>
+            <a:r>
+              <a:rPr lang="fr-FR" baseline="0" dirty="0" smtClean="0"/>
+              <a:t>The </a:t>
+            </a:r>
+            <a:r>
+              <a:rPr lang="fr-FR" baseline="0" dirty="0" err="1" smtClean="0"/>
+              <a:t>entire</a:t>
+            </a:r>
+            <a:r>
+              <a:rPr lang="fr-FR" baseline="0" dirty="0" smtClean="0"/>
+              <a:t> line </a:t>
+            </a:r>
+            <a:r>
+              <a:rPr lang="fr-FR" baseline="0" dirty="0" err="1" smtClean="0"/>
+              <a:t>be</a:t>
+            </a:r>
+            <a:r>
+              <a:rPr lang="fr-FR" baseline="0" dirty="0" smtClean="0"/>
+              <a:t> </a:t>
+            </a:r>
+            <a:r>
+              <a:rPr lang="fr-FR" baseline="0" dirty="0" err="1" smtClean="0"/>
+              <a:t>hidden</a:t>
+            </a:r>
+            <a:r>
+              <a:rPr lang="fr-FR" baseline="0" dirty="0" smtClean="0"/>
+              <a:t> </a:t>
+            </a:r>
+          </a:p>
+          <a:p>
+            <a:r>
+              <a:rPr lang="fr-FR" baseline="0" dirty="0" smtClean="0"/>
+              <a:t>Be </a:t>
+            </a:r>
+            <a:r>
+              <a:rPr lang="fr-FR" baseline="0" dirty="0" err="1" smtClean="0"/>
+              <a:t>hidden</a:t>
+            </a:r>
+            <a:r>
+              <a:rPr lang="fr-FR" baseline="0" dirty="0" smtClean="0"/>
+              <a:t> </a:t>
+            </a:r>
             <a:endParaRPr lang="fr-FR" dirty="0"/>
           </a:p>
         </p:txBody>
@@ -16519,7 +16087,43 @@
               </a:spcBef>
               <a:buNone/>
             </a:pPr>
-            <a:endParaRPr/>
+            <a:r>
+              <a:rPr lang="fr-FR" dirty="0" smtClean="0"/>
+              <a:t>To show </a:t>
+            </a:r>
+            <a:r>
+              <a:rPr lang="fr-FR" dirty="0" err="1" smtClean="0"/>
+              <a:t>what</a:t>
+            </a:r>
+            <a:r>
+              <a:rPr lang="fr-FR" dirty="0" smtClean="0"/>
+              <a:t> </a:t>
+            </a:r>
+            <a:r>
+              <a:rPr lang="fr-FR" dirty="0" err="1" smtClean="0"/>
+              <a:t>is</a:t>
+            </a:r>
+            <a:r>
+              <a:rPr lang="fr-FR" dirty="0" smtClean="0"/>
+              <a:t> the </a:t>
+            </a:r>
+            <a:r>
+              <a:rPr lang="fr-FR" dirty="0" err="1" smtClean="0"/>
+              <a:t>result</a:t>
+            </a:r>
+            <a:r>
+              <a:rPr lang="fr-FR" dirty="0" smtClean="0"/>
+              <a:t> of </a:t>
+            </a:r>
+            <a:r>
+              <a:rPr lang="fr-FR" dirty="0" err="1" smtClean="0"/>
+              <a:t>our</a:t>
+            </a:r>
+            <a:r>
+              <a:rPr lang="fr-FR" baseline="0" dirty="0" smtClean="0"/>
+              <a:t> conception </a:t>
+            </a:r>
+            <a:endParaRPr dirty="0"/>
           </a:p>
         </p:txBody>
       </p:sp>
@@ -24133,13 +23737,7 @@
               <a:rPr lang="en-US" dirty="0" smtClean="0">
                 <a:sym typeface="Georgia"/>
               </a:rPr>
-              <a:t>Computing </a:t>
-            </a:r>
-            <a:r>
-              <a:rPr lang="en-US" dirty="0" smtClean="0">
-                <a:sym typeface="Georgia"/>
-              </a:rPr>
-              <a:t>a score </a:t>
+              <a:t>Computing a score </a:t>
             </a:r>
           </a:p>
           <a:p>
@@ -24158,9 +23756,6 @@
               </a:rPr>
               <a:t>Ranking </a:t>
             </a:r>
-            <a:endParaRPr lang="en-US" dirty="0" smtClean="0">
-              <a:sym typeface="Georgia"/>
-            </a:endParaRPr>
           </a:p>
           <a:p>
             <a:pPr lvl="1"/>
@@ -24313,28 +23908,16 @@
               <a:rPr lang="en-US" dirty="0" smtClean="0">
                 <a:sym typeface="Georgia"/>
               </a:rPr>
-              <a:t>It achieves </a:t>
-            </a:r>
+              <a:t>It achieves its goal</a:t>
+            </a:r>
+          </a:p>
+          <a:p>
+            <a:pPr lvl="1"/>
             <a:r>
               <a:rPr lang="en-US" dirty="0" smtClean="0">
                 <a:sym typeface="Georgia"/>
               </a:rPr>
-              <a:t>its goal</a:t>
-            </a:r>
-          </a:p>
-          <a:p>
-            <a:pPr lvl="1"/>
-            <a:r>
-              <a:rPr lang="en-US" dirty="0" smtClean="0">
-                <a:sym typeface="Georgia"/>
-              </a:rPr>
-              <a:t>Improving </a:t>
-            </a:r>
-            <a:r>
-              <a:rPr lang="en-US" dirty="0" smtClean="0">
-                <a:sym typeface="Georgia"/>
-              </a:rPr>
-              <a:t>your English by listening to music</a:t>
+              <a:t>Improving your English by listening to music</a:t>
             </a:r>
           </a:p>
           <a:p>
@@ -24370,13 +23953,7 @@
               <a:rPr lang="en-US" dirty="0" smtClean="0">
                 <a:sym typeface="Georgia"/>
               </a:rPr>
-              <a:t>Improving </a:t>
-            </a:r>
-            <a:r>
-              <a:rPr lang="en-US" dirty="0" smtClean="0">
-                <a:sym typeface="Georgia"/>
-              </a:rPr>
-              <a:t>game experience of the user</a:t>
+              <a:t>Improving game experience of the user</a:t>
             </a:r>
           </a:p>
           <a:p>
@@ -24602,13 +24179,7 @@
               <a:rPr lang="en-US" dirty="0" smtClean="0">
                 <a:sym typeface="Georgia"/>
               </a:rPr>
-              <a:t>the </a:t>
-            </a:r>
-            <a:r>
-              <a:rPr lang="en-US" dirty="0" smtClean="0">
-                <a:sym typeface="Georgia"/>
-              </a:rPr>
-              <a:t>score compute</a:t>
+              <a:t>the score compute</a:t>
             </a:r>
           </a:p>
           <a:p>
@@ -24803,13 +24374,7 @@
               <a:rPr lang="en-US" dirty="0" smtClean="0">
                 <a:sym typeface="Georgia"/>
               </a:rPr>
-              <a:t>Adding </a:t>
-            </a:r>
-            <a:r>
-              <a:rPr lang="en-US" dirty="0" smtClean="0">
-                <a:sym typeface="Georgia"/>
-              </a:rPr>
-              <a:t>statistics</a:t>
+              <a:t>Adding statistics</a:t>
             </a:r>
           </a:p>
           <a:p>
@@ -25046,11 +24611,7 @@
             </a:r>
             <a:r>
               <a:rPr lang="fr-FR" dirty="0" smtClean="0"/>
-              <a:t> </a:t>
-            </a:r>
-            <a:r>
-              <a:rPr lang="fr-FR" dirty="0" smtClean="0"/>
-              <a:t>the capture </a:t>
+              <a:t> the capture </a:t>
             </a:r>
             <a:r>
               <a:rPr lang="fr-FR" dirty="0" err="1" smtClean="0"/>
@@ -26307,8 +25868,17 @@
             <a:pPr lvl="1" fontAlgn="base"/>
             <a:r>
               <a:rPr lang="en-US" sz="1400" dirty="0"/>
-              <a:t>Terry : methods about the Spotify API</a:t>
-            </a:r>
+              <a:t>Terry </a:t>
+            </a:r>
+            <a:r>
+              <a:rPr lang="en-US" sz="1400" dirty="0" smtClean="0"/>
+              <a:t>: capture </a:t>
+            </a:r>
+            <a:r>
+              <a:rPr lang="en-US" sz="1400" smtClean="0"/>
+              <a:t>and processing</a:t>
+            </a:r>
+            <a:endParaRPr lang="en-US" sz="1400" dirty="0"/>
           </a:p>
           <a:p>
             <a:pPr lvl="1" fontAlgn="base"/>
@@ -26702,7 +26272,7 @@
           <p:nvPr>
             <p:extLst>
               <p:ext uri="{D42A27DB-BD31-4B8C-83A1-F6EECF244321}">
-                <p14:modId xmlns:p14="http://schemas.microsoft.com/office/powerpoint/2010/main" val="600977432"/>
+                <p14:modId xmlns:p14="http://schemas.microsoft.com/office/powerpoint/2010/main" val="3169991971"/>
               </p:ext>
             </p:extLst>
           </p:nvPr>
@@ -27098,40 +26668,76 @@
           <a:p>
             <a:pPr lvl="1"/>
             <a:r>
+              <a:rPr lang="fr-FR" dirty="0" err="1"/>
+              <a:t>Crowd</a:t>
+            </a:r>
+            <a:r>
+              <a:rPr lang="fr-FR" dirty="0"/>
+              <a:t> Lyrics : </a:t>
+            </a:r>
+            <a:r>
+              <a:rPr lang="fr-FR" dirty="0" err="1"/>
+              <a:t>ooh</a:t>
+            </a:r>
+            <a:r>
+              <a:rPr lang="fr-FR" dirty="0"/>
+              <a:t> oh, na-na-</a:t>
+            </a:r>
+            <a:r>
+              <a:rPr lang="fr-FR" dirty="0" err="1"/>
+              <a:t>naaaaa</a:t>
+            </a:r>
+            <a:r>
+              <a:rPr lang="fr-FR" dirty="0"/>
+              <a:t>, </a:t>
+            </a:r>
+            <a:r>
+              <a:rPr lang="fr-FR" dirty="0" err="1" smtClean="0"/>
+              <a:t>yeahhhh</a:t>
+            </a:r>
+            <a:r>
               <a:rPr lang="fr-FR" dirty="0" smtClean="0"/>
-              <a:t>Voice-off / Canons</a:t>
+              <a:t>! …</a:t>
             </a:r>
           </a:p>
           <a:p>
             <a:pPr lvl="1"/>
             <a:r>
+              <a:rPr lang="fr-FR" dirty="0" err="1"/>
+              <a:t>Abbrevation</a:t>
+            </a:r>
+            <a:r>
+              <a:rPr lang="fr-FR" dirty="0"/>
+              <a:t> : </a:t>
+            </a:r>
+            <a:r>
               <a:rPr lang="fr-FR" dirty="0" err="1" smtClean="0"/>
-              <a:t>Crowd</a:t>
+              <a:t>We're</a:t>
             </a:r>
             <a:r>
               <a:rPr lang="fr-FR" dirty="0" smtClean="0"/>
-              <a:t> Lyrics </a:t>
-            </a:r>
-          </a:p>
-          <a:p>
-            <a:pPr lvl="1"/>
-            <a:r>
-              <a:rPr lang="fr-FR" dirty="0" err="1" smtClean="0"/>
-              <a:t>Abbrevation</a:t>
-            </a:r>
-            <a:r>
-              <a:rPr lang="fr-FR" dirty="0" smtClean="0"/>
-              <a:t> : </a:t>
+              <a:t>, </a:t>
             </a:r>
             <a:r>
               <a:rPr lang="fr-FR" dirty="0" err="1" smtClean="0"/>
               <a:t>Hustlin</a:t>
             </a:r>
             <a:r>
+              <a:rPr lang="fr-FR"/>
+              <a:t>’ </a:t>
+            </a:r>
+            <a:r>
+              <a:rPr lang="fr-FR" smtClean="0"/>
+              <a:t>…</a:t>
+            </a:r>
+            <a:endParaRPr lang="fr-FR" dirty="0" smtClean="0"/>
+          </a:p>
+          <a:p>
+            <a:pPr lvl="1"/>
+            <a:r>
               <a:rPr lang="fr-FR" dirty="0" smtClean="0"/>
-              <a:t>’ </a:t>
-            </a:r>
-            <a:endParaRPr lang="fr-FR" dirty="0" smtClean="0"/>
+              <a:t>Voice-off / Canons </a:t>
+            </a:r>
           </a:p>
           <a:p>
             <a:endParaRPr lang="fr-FR" dirty="0" smtClean="0"/>
@@ -28518,7 +28124,7 @@
   <a:extraClrSchemeLst/>
   <a:extLst>
     <a:ext uri="{05A4C25C-085E-4340-85A3-A5531E510DB2}">
-      <thm15:themeFamily xmlns:thm15="http://schemas.microsoft.com/office/thememl/2012/main" xmlns="" name="Facet" id="{C0C680CD-088A-49FC-A102-D699147F32B2}" vid="{0B5AB586-D108-4FC1-8368-649FE654B894}"/>
+      <thm15:themeFamily xmlns:thm15="http://schemas.microsoft.com/office/thememl/2012/main" name="Facet" id="{C0C680CD-088A-49FC-A102-D699147F32B2}" vid="{0B5AB586-D108-4FC1-8368-649FE654B894}"/>
     </a:ext>
   </a:extLst>
 </a:theme>
@@ -29058,7 +28664,7 @@
   <a:extraClrSchemeLst/>
   <a:extLst>
     <a:ext uri="{05A4C25C-085E-4340-85A3-A5531E510DB2}">
-      <thm15:themeFamily xmlns:thm15="http://schemas.microsoft.com/office/thememl/2012/main" xmlns="" name="Office Theme" id="{62F939B6-93AF-4DB8-9C6B-D6C7DFDC589F}" vid="{4A3C46E8-61CC-4603-A589-7422A47A8E4A}"/>
+      <thm15:themeFamily xmlns:thm15="http://schemas.microsoft.com/office/thememl/2012/main" name="Office Theme" id="{62F939B6-93AF-4DB8-9C6B-D6C7DFDC589F}" vid="{4A3C46E8-61CC-4603-A589-7422A47A8E4A}"/>
     </a:ext>
   </a:extLst>
 </a:theme>
